--- a/sqlserver-sql/sqlserver-ddl.pptx
+++ b/sqlserver-sql/sqlserver-ddl.pptx
@@ -216,7 +216,7 @@
           <a:p>
             <a:fld id="{A8AF443B-D587-400B-A812-A610DD58865E}" type="datetimeFigureOut">
               <a:rPr lang="en-IN" smtClean="0"/>
-              <a:t>01-08-2025</a:t>
+              <a:t>05-08-2025</a:t>
             </a:fld>
             <a:endParaRPr lang="en-IN"/>
           </a:p>
@@ -747,7 +747,7 @@
           <a:p>
             <a:fld id="{241EB5C9-1307-BA42-ABA2-0BC069CD8E7F}" type="datetimeFigureOut">
               <a:rPr lang="en-US" smtClean="0"/>
-              <a:t>8/1/2025</a:t>
+              <a:t>8/5/2025</a:t>
             </a:fld>
             <a:endParaRPr lang="en-US"/>
           </a:p>
@@ -915,7 +915,7 @@
           <a:p>
             <a:fld id="{241EB5C9-1307-BA42-ABA2-0BC069CD8E7F}" type="datetimeFigureOut">
               <a:rPr lang="en-US" smtClean="0"/>
-              <a:t>8/1/2025</a:t>
+              <a:t>8/5/2025</a:t>
             </a:fld>
             <a:endParaRPr lang="en-US"/>
           </a:p>
@@ -1093,7 +1093,7 @@
           <a:p>
             <a:fld id="{241EB5C9-1307-BA42-ABA2-0BC069CD8E7F}" type="datetimeFigureOut">
               <a:rPr lang="en-US" smtClean="0"/>
-              <a:t>8/1/2025</a:t>
+              <a:t>8/5/2025</a:t>
             </a:fld>
             <a:endParaRPr lang="en-US"/>
           </a:p>
@@ -1261,7 +1261,7 @@
           <a:p>
             <a:fld id="{241EB5C9-1307-BA42-ABA2-0BC069CD8E7F}" type="datetimeFigureOut">
               <a:rPr lang="en-US" smtClean="0"/>
-              <a:t>8/1/2025</a:t>
+              <a:t>8/5/2025</a:t>
             </a:fld>
             <a:endParaRPr lang="en-US"/>
           </a:p>
@@ -1506,7 +1506,7 @@
           <a:p>
             <a:fld id="{241EB5C9-1307-BA42-ABA2-0BC069CD8E7F}" type="datetimeFigureOut">
               <a:rPr lang="en-US" smtClean="0"/>
-              <a:t>8/1/2025</a:t>
+              <a:t>8/5/2025</a:t>
             </a:fld>
             <a:endParaRPr lang="en-US"/>
           </a:p>
@@ -1791,7 +1791,7 @@
           <a:p>
             <a:fld id="{241EB5C9-1307-BA42-ABA2-0BC069CD8E7F}" type="datetimeFigureOut">
               <a:rPr lang="en-US" smtClean="0"/>
-              <a:t>8/1/2025</a:t>
+              <a:t>8/5/2025</a:t>
             </a:fld>
             <a:endParaRPr lang="en-US"/>
           </a:p>
@@ -2210,7 +2210,7 @@
           <a:p>
             <a:fld id="{241EB5C9-1307-BA42-ABA2-0BC069CD8E7F}" type="datetimeFigureOut">
               <a:rPr lang="en-US" smtClean="0"/>
-              <a:t>8/1/2025</a:t>
+              <a:t>8/5/2025</a:t>
             </a:fld>
             <a:endParaRPr lang="en-US"/>
           </a:p>
@@ -2327,7 +2327,7 @@
           <a:p>
             <a:fld id="{241EB5C9-1307-BA42-ABA2-0BC069CD8E7F}" type="datetimeFigureOut">
               <a:rPr lang="en-US" smtClean="0"/>
-              <a:t>8/1/2025</a:t>
+              <a:t>8/5/2025</a:t>
             </a:fld>
             <a:endParaRPr lang="en-US"/>
           </a:p>
@@ -2422,7 +2422,7 @@
           <a:p>
             <a:fld id="{241EB5C9-1307-BA42-ABA2-0BC069CD8E7F}" type="datetimeFigureOut">
               <a:rPr lang="en-US" smtClean="0"/>
-              <a:t>8/1/2025</a:t>
+              <a:t>8/5/2025</a:t>
             </a:fld>
             <a:endParaRPr lang="en-US"/>
           </a:p>
@@ -2697,7 +2697,7 @@
           <a:p>
             <a:fld id="{241EB5C9-1307-BA42-ABA2-0BC069CD8E7F}" type="datetimeFigureOut">
               <a:rPr lang="en-US" smtClean="0"/>
-              <a:t>8/1/2025</a:t>
+              <a:t>8/5/2025</a:t>
             </a:fld>
             <a:endParaRPr lang="en-US"/>
           </a:p>
@@ -2949,7 +2949,7 @@
           <a:p>
             <a:fld id="{241EB5C9-1307-BA42-ABA2-0BC069CD8E7F}" type="datetimeFigureOut">
               <a:rPr lang="en-US" smtClean="0"/>
-              <a:t>8/1/2025</a:t>
+              <a:t>8/5/2025</a:t>
             </a:fld>
             <a:endParaRPr lang="en-US"/>
           </a:p>
@@ -3160,7 +3160,7 @@
           <a:p>
             <a:fld id="{241EB5C9-1307-BA42-ABA2-0BC069CD8E7F}" type="datetimeFigureOut">
               <a:rPr lang="en-US" smtClean="0"/>
-              <a:t>8/1/2025</a:t>
+              <a:t>8/5/2025</a:t>
             </a:fld>
             <a:endParaRPr lang="en-US"/>
           </a:p>
@@ -3521,6 +3521,14 @@
 <file path=ppt/slides/slide1.xml><?xml version="1.0" encoding="utf-8"?>
 <p:sld xmlns:a="http://schemas.openxmlformats.org/drawingml/2006/main" xmlns:r="http://schemas.openxmlformats.org/officeDocument/2006/relationships" xmlns:p="http://schemas.openxmlformats.org/presentationml/2006/main">
   <p:cSld>
+    <p:bg>
+      <p:bgPr>
+        <a:solidFill>
+          <a:schemeClr val="bg1"/>
+        </a:solidFill>
+        <a:effectLst/>
+      </p:bgPr>
+    </p:bg>
     <p:spTree>
       <p:nvGrpSpPr>
         <p:cNvPr id="1" name=""/>
@@ -3535,9 +3543,659 @@
           <a:chExt cx="0" cy="0"/>
         </a:xfrm>
       </p:grpSpPr>
+      <p:sp>
+        <p:nvSpPr>
+          <p:cNvPr id="7" name="Rectangle 6">
+            <a:extLst>
+              <a:ext uri="{FF2B5EF4-FFF2-40B4-BE49-F238E27FC236}">
+                <a16:creationId xmlns:a16="http://schemas.microsoft.com/office/drawing/2014/main" id="{0B761509-3B9A-49A6-A84B-C3D86811697D}"/>
+              </a:ext>
+              <a:ext uri="{C183D7F6-B498-43B3-948B-1728B52AA6E4}">
+                <adec:decorative xmlns:adec="http://schemas.microsoft.com/office/drawing/2017/decorative" val="1"/>
+              </a:ext>
+            </a:extLst>
+          </p:cNvPr>
+          <p:cNvSpPr>
+            <a:spLocks noGrp="1" noRot="1" noChangeAspect="1" noMove="1" noResize="1" noEditPoints="1" noAdjustHandles="1" noChangeArrowheads="1" noChangeShapeType="1" noTextEdit="1"/>
+          </p:cNvSpPr>
+          <p:nvPr>
+            <p:extLst>
+              <p:ext uri="{386F3935-93C4-4BCD-93E2-E3B085C9AB24}">
+                <p16:designElem xmlns:p16="http://schemas.microsoft.com/office/powerpoint/2015/main" val="1"/>
+              </p:ext>
+            </p:extLst>
+          </p:nvPr>
+        </p:nvSpPr>
+        <p:spPr>
+          <a:xfrm>
+            <a:off x="1" y="0"/>
+            <a:ext cx="9143998" cy="5143500"/>
+          </a:xfrm>
+          <a:prstGeom prst="rect">
+            <a:avLst/>
+          </a:prstGeom>
+          <a:solidFill>
+            <a:schemeClr val="tx1"/>
+          </a:solidFill>
+          <a:ln>
+            <a:noFill/>
+          </a:ln>
+        </p:spPr>
+        <p:style>
+          <a:lnRef idx="2">
+            <a:schemeClr val="accent1">
+              <a:shade val="50000"/>
+            </a:schemeClr>
+          </a:lnRef>
+          <a:fillRef idx="1">
+            <a:schemeClr val="accent1"/>
+          </a:fillRef>
+          <a:effectRef idx="0">
+            <a:schemeClr val="accent1"/>
+          </a:effectRef>
+          <a:fontRef idx="minor">
+            <a:schemeClr val="lt1"/>
+          </a:fontRef>
+        </p:style>
+        <p:txBody>
+          <a:bodyPr rtlCol="0" anchor="ctr"/>
+          <a:lstStyle/>
+          <a:p>
+            <a:pPr algn="ctr"/>
+            <a:endParaRPr lang="en-US"/>
+          </a:p>
+        </p:txBody>
+      </p:sp>
+      <p:sp useBgFill="1">
+        <p:nvSpPr>
+          <p:cNvPr id="9" name="Freeform: Shape 8">
+            <a:extLst>
+              <a:ext uri="{FF2B5EF4-FFF2-40B4-BE49-F238E27FC236}">
+                <a16:creationId xmlns:a16="http://schemas.microsoft.com/office/drawing/2014/main" id="{91DE43FD-EB47-414A-B0AB-169B0FFFA527}"/>
+              </a:ext>
+              <a:ext uri="{C183D7F6-B498-43B3-948B-1728B52AA6E4}">
+                <adec:decorative xmlns:adec="http://schemas.microsoft.com/office/drawing/2017/decorative" val="1"/>
+              </a:ext>
+            </a:extLst>
+          </p:cNvPr>
+          <p:cNvSpPr>
+            <a:spLocks noGrp="1" noRot="1" noChangeAspect="1" noMove="1" noResize="1" noEditPoints="1" noAdjustHandles="1" noChangeArrowheads="1" noChangeShapeType="1" noTextEdit="1"/>
+          </p:cNvSpPr>
+          <p:nvPr>
+            <p:extLst>
+              <p:ext uri="{386F3935-93C4-4BCD-93E2-E3B085C9AB24}">
+                <p16:designElem xmlns:p16="http://schemas.microsoft.com/office/powerpoint/2015/main" val="1"/>
+              </p:ext>
+            </p:extLst>
+          </p:nvPr>
+        </p:nvSpPr>
+        <p:spPr>
+          <a:xfrm>
+            <a:off x="0" y="0"/>
+            <a:ext cx="6954691" cy="5143500"/>
+          </a:xfrm>
+          <a:custGeom>
+            <a:avLst/>
+            <a:gdLst>
+              <a:gd name="connsiteX0" fmla="*/ 0 w 9272922"/>
+              <a:gd name="connsiteY0" fmla="*/ 0 h 6858000"/>
+              <a:gd name="connsiteX1" fmla="*/ 1733417 w 9272922"/>
+              <a:gd name="connsiteY1" fmla="*/ 0 h 6858000"/>
+              <a:gd name="connsiteX2" fmla="*/ 3307976 w 9272922"/>
+              <a:gd name="connsiteY2" fmla="*/ 0 h 6858000"/>
+              <a:gd name="connsiteX3" fmla="*/ 8126249 w 9272922"/>
+              <a:gd name="connsiteY3" fmla="*/ 0 h 6858000"/>
+              <a:gd name="connsiteX4" fmla="*/ 8138896 w 9272922"/>
+              <a:gd name="connsiteY4" fmla="*/ 31774 h 6858000"/>
+              <a:gd name="connsiteX5" fmla="*/ 9193904 w 9272922"/>
+              <a:gd name="connsiteY5" fmla="*/ 2682457 h 6858000"/>
+              <a:gd name="connsiteX6" fmla="*/ 9193904 w 9272922"/>
+              <a:gd name="connsiteY6" fmla="*/ 3752208 h 6858000"/>
+              <a:gd name="connsiteX7" fmla="*/ 8036400 w 9272922"/>
+              <a:gd name="connsiteY7" fmla="*/ 6660411 h 6858000"/>
+              <a:gd name="connsiteX8" fmla="*/ 7957938 w 9272922"/>
+              <a:gd name="connsiteY8" fmla="*/ 6857542 h 6858000"/>
+              <a:gd name="connsiteX9" fmla="*/ 3307976 w 9272922"/>
+              <a:gd name="connsiteY9" fmla="*/ 6857542 h 6858000"/>
+              <a:gd name="connsiteX10" fmla="*/ 3307976 w 9272922"/>
+              <a:gd name="connsiteY10" fmla="*/ 6858000 h 6858000"/>
+              <a:gd name="connsiteX11" fmla="*/ 0 w 9272922"/>
+              <a:gd name="connsiteY11" fmla="*/ 6858000 h 6858000"/>
+            </a:gdLst>
+            <a:ahLst/>
+            <a:cxnLst>
+              <a:cxn ang="0">
+                <a:pos x="connsiteX0" y="connsiteY0"/>
+              </a:cxn>
+              <a:cxn ang="0">
+                <a:pos x="connsiteX1" y="connsiteY1"/>
+              </a:cxn>
+              <a:cxn ang="0">
+                <a:pos x="connsiteX2" y="connsiteY2"/>
+              </a:cxn>
+              <a:cxn ang="0">
+                <a:pos x="connsiteX3" y="connsiteY3"/>
+              </a:cxn>
+              <a:cxn ang="0">
+                <a:pos x="connsiteX4" y="connsiteY4"/>
+              </a:cxn>
+              <a:cxn ang="0">
+                <a:pos x="connsiteX5" y="connsiteY5"/>
+              </a:cxn>
+              <a:cxn ang="0">
+                <a:pos x="connsiteX6" y="connsiteY6"/>
+              </a:cxn>
+              <a:cxn ang="0">
+                <a:pos x="connsiteX7" y="connsiteY7"/>
+              </a:cxn>
+              <a:cxn ang="0">
+                <a:pos x="connsiteX8" y="connsiteY8"/>
+              </a:cxn>
+              <a:cxn ang="0">
+                <a:pos x="connsiteX9" y="connsiteY9"/>
+              </a:cxn>
+              <a:cxn ang="0">
+                <a:pos x="connsiteX10" y="connsiteY10"/>
+              </a:cxn>
+              <a:cxn ang="0">
+                <a:pos x="connsiteX11" y="connsiteY11"/>
+              </a:cxn>
+            </a:cxnLst>
+            <a:rect l="l" t="t" r="r" b="b"/>
+            <a:pathLst>
+              <a:path w="9272922" h="6858000">
+                <a:moveTo>
+                  <a:pt x="0" y="0"/>
+                </a:moveTo>
+                <a:lnTo>
+                  <a:pt x="1733417" y="0"/>
+                </a:lnTo>
+                <a:lnTo>
+                  <a:pt x="3307976" y="0"/>
+                </a:lnTo>
+                <a:lnTo>
+                  <a:pt x="8126249" y="0"/>
+                </a:lnTo>
+                <a:lnTo>
+                  <a:pt x="8138896" y="31774"/>
+                </a:lnTo>
+                <a:cubicBezTo>
+                  <a:pt x="9193904" y="2682457"/>
+                  <a:pt x="9193904" y="2682457"/>
+                  <a:pt x="9193904" y="2682457"/>
+                </a:cubicBezTo>
+                <a:cubicBezTo>
+                  <a:pt x="9299262" y="2988100"/>
+                  <a:pt x="9299262" y="3446565"/>
+                  <a:pt x="9193904" y="3752208"/>
+                </a:cubicBezTo>
+                <a:cubicBezTo>
+                  <a:pt x="8709916" y="4968215"/>
+                  <a:pt x="8331802" y="5918220"/>
+                  <a:pt x="8036400" y="6660411"/>
+                </a:cubicBezTo>
+                <a:lnTo>
+                  <a:pt x="7957938" y="6857542"/>
+                </a:lnTo>
+                <a:lnTo>
+                  <a:pt x="3307976" y="6857542"/>
+                </a:lnTo>
+                <a:lnTo>
+                  <a:pt x="3307976" y="6858000"/>
+                </a:lnTo>
+                <a:lnTo>
+                  <a:pt x="0" y="6858000"/>
+                </a:lnTo>
+                <a:close/>
+              </a:path>
+            </a:pathLst>
+          </a:custGeom>
+          <a:ln>
+            <a:noFill/>
+          </a:ln>
+        </p:spPr>
+        <p:style>
+          <a:lnRef idx="2">
+            <a:schemeClr val="accent1">
+              <a:shade val="50000"/>
+            </a:schemeClr>
+          </a:lnRef>
+          <a:fillRef idx="1">
+            <a:schemeClr val="accent1"/>
+          </a:fillRef>
+          <a:effectRef idx="0">
+            <a:schemeClr val="accent1"/>
+          </a:effectRef>
+          <a:fontRef idx="minor">
+            <a:schemeClr val="lt1"/>
+          </a:fontRef>
+        </p:style>
+        <p:txBody>
+          <a:bodyPr wrap="square" rtlCol="0" anchor="ctr">
+            <a:noAutofit/>
+          </a:bodyPr>
+          <a:lstStyle/>
+          <a:p>
+            <a:pPr algn="ctr"/>
+            <a:endParaRPr lang="en-US"/>
+          </a:p>
+        </p:txBody>
+      </p:sp>
+      <p:grpSp>
+        <p:nvGrpSpPr>
+          <p:cNvPr id="11" name="Group 10">
+            <a:extLst>
+              <a:ext uri="{FF2B5EF4-FFF2-40B4-BE49-F238E27FC236}">
+                <a16:creationId xmlns:a16="http://schemas.microsoft.com/office/drawing/2014/main" id="{58495BCC-CE77-4CC2-952E-846F41119FD5}"/>
+              </a:ext>
+              <a:ext uri="{C183D7F6-B498-43B3-948B-1728B52AA6E4}">
+                <adec:decorative xmlns:adec="http://schemas.microsoft.com/office/drawing/2017/decorative" val="1"/>
+              </a:ext>
+            </a:extLst>
+          </p:cNvPr>
+          <p:cNvGrpSpPr>
+            <a:grpSpLocks noGrp="1" noUngrp="1" noRot="1" noChangeAspect="1" noMove="1" noResize="1"/>
+          </p:cNvGrpSpPr>
+          <p:nvPr>
+            <p:extLst>
+              <p:ext uri="{386F3935-93C4-4BCD-93E2-E3B085C9AB24}">
+                <p16:designElem xmlns:p16="http://schemas.microsoft.com/office/powerpoint/2015/main" val="1"/>
+              </p:ext>
+            </p:extLst>
+          </p:nvPr>
+        </p:nvGrpSpPr>
+        <p:grpSpPr>
+          <a:xfrm>
+            <a:off x="6870420" y="806391"/>
+            <a:ext cx="1171701" cy="879729"/>
+            <a:chOff x="9160561" y="1075188"/>
+            <a:chExt cx="1562267" cy="1172973"/>
+          </a:xfrm>
+        </p:grpSpPr>
+        <p:sp>
+          <p:nvSpPr>
+            <p:cNvPr id="12" name="Freeform 5">
+              <a:extLst>
+                <a:ext uri="{FF2B5EF4-FFF2-40B4-BE49-F238E27FC236}">
+                  <a16:creationId xmlns:a16="http://schemas.microsoft.com/office/drawing/2014/main" id="{1B42538B-E30F-4967-A6C1-8EBA775F4D60}"/>
+                </a:ext>
+                <a:ext uri="{C183D7F6-B498-43B3-948B-1728B52AA6E4}">
+                  <adec:decorative xmlns:adec="http://schemas.microsoft.com/office/drawing/2017/decorative" val="1"/>
+                </a:ext>
+              </a:extLst>
+            </p:cNvPr>
+            <p:cNvSpPr>
+              <a:spLocks/>
+            </p:cNvSpPr>
+            <p:nvPr>
+              <p:extLst>
+                <p:ext uri="{386F3935-93C4-4BCD-93E2-E3B085C9AB24}">
+                  <p16:designElem xmlns:p16="http://schemas.microsoft.com/office/powerpoint/2015/main" val="1"/>
+                </p:ext>
+              </p:extLst>
+            </p:nvPr>
+          </p:nvSpPr>
+          <p:spPr bwMode="auto">
+            <a:xfrm>
+              <a:off x="9160561" y="1423846"/>
+              <a:ext cx="935037" cy="824315"/>
+            </a:xfrm>
+            <a:custGeom>
+              <a:avLst/>
+              <a:gdLst>
+                <a:gd name="T0" fmla="*/ 225 w 785"/>
+                <a:gd name="T1" fmla="*/ 692 h 692"/>
+                <a:gd name="T2" fmla="*/ 177 w 785"/>
+                <a:gd name="T3" fmla="*/ 665 h 692"/>
+                <a:gd name="T4" fmla="*/ 9 w 785"/>
+                <a:gd name="T5" fmla="*/ 374 h 692"/>
+                <a:gd name="T6" fmla="*/ 9 w 785"/>
+                <a:gd name="T7" fmla="*/ 318 h 692"/>
+                <a:gd name="T8" fmla="*/ 177 w 785"/>
+                <a:gd name="T9" fmla="*/ 27 h 692"/>
+                <a:gd name="T10" fmla="*/ 225 w 785"/>
+                <a:gd name="T11" fmla="*/ 0 h 692"/>
+                <a:gd name="T12" fmla="*/ 561 w 785"/>
+                <a:gd name="T13" fmla="*/ 0 h 692"/>
+                <a:gd name="T14" fmla="*/ 609 w 785"/>
+                <a:gd name="T15" fmla="*/ 27 h 692"/>
+                <a:gd name="T16" fmla="*/ 777 w 785"/>
+                <a:gd name="T17" fmla="*/ 318 h 692"/>
+                <a:gd name="T18" fmla="*/ 777 w 785"/>
+                <a:gd name="T19" fmla="*/ 374 h 692"/>
+                <a:gd name="T20" fmla="*/ 609 w 785"/>
+                <a:gd name="T21" fmla="*/ 665 h 692"/>
+                <a:gd name="T22" fmla="*/ 561 w 785"/>
+                <a:gd name="T23" fmla="*/ 692 h 692"/>
+                <a:gd name="T24" fmla="*/ 225 w 785"/>
+                <a:gd name="T25" fmla="*/ 692 h 692"/>
+              </a:gdLst>
+              <a:ahLst/>
+              <a:cxnLst>
+                <a:cxn ang="0">
+                  <a:pos x="T0" y="T1"/>
+                </a:cxn>
+                <a:cxn ang="0">
+                  <a:pos x="T2" y="T3"/>
+                </a:cxn>
+                <a:cxn ang="0">
+                  <a:pos x="T4" y="T5"/>
+                </a:cxn>
+                <a:cxn ang="0">
+                  <a:pos x="T6" y="T7"/>
+                </a:cxn>
+                <a:cxn ang="0">
+                  <a:pos x="T8" y="T9"/>
+                </a:cxn>
+                <a:cxn ang="0">
+                  <a:pos x="T10" y="T11"/>
+                </a:cxn>
+                <a:cxn ang="0">
+                  <a:pos x="T12" y="T13"/>
+                </a:cxn>
+                <a:cxn ang="0">
+                  <a:pos x="T14" y="T15"/>
+                </a:cxn>
+                <a:cxn ang="0">
+                  <a:pos x="T16" y="T17"/>
+                </a:cxn>
+                <a:cxn ang="0">
+                  <a:pos x="T18" y="T19"/>
+                </a:cxn>
+                <a:cxn ang="0">
+                  <a:pos x="T20" y="T21"/>
+                </a:cxn>
+                <a:cxn ang="0">
+                  <a:pos x="T22" y="T23"/>
+                </a:cxn>
+                <a:cxn ang="0">
+                  <a:pos x="T24" y="T25"/>
+                </a:cxn>
+              </a:cxnLst>
+              <a:rect l="0" t="0" r="r" b="b"/>
+              <a:pathLst>
+                <a:path w="785" h="692">
+                  <a:moveTo>
+                    <a:pt x="225" y="692"/>
+                  </a:moveTo>
+                  <a:cubicBezTo>
+                    <a:pt x="207" y="692"/>
+                    <a:pt x="185" y="680"/>
+                    <a:pt x="177" y="665"/>
+                  </a:cubicBezTo>
+                  <a:cubicBezTo>
+                    <a:pt x="9" y="374"/>
+                    <a:pt x="9" y="374"/>
+                    <a:pt x="9" y="374"/>
+                  </a:cubicBezTo>
+                  <a:cubicBezTo>
+                    <a:pt x="0" y="358"/>
+                    <a:pt x="0" y="334"/>
+                    <a:pt x="9" y="318"/>
+                  </a:cubicBezTo>
+                  <a:cubicBezTo>
+                    <a:pt x="177" y="27"/>
+                    <a:pt x="177" y="27"/>
+                    <a:pt x="177" y="27"/>
+                  </a:cubicBezTo>
+                  <a:cubicBezTo>
+                    <a:pt x="185" y="12"/>
+                    <a:pt x="207" y="0"/>
+                    <a:pt x="225" y="0"/>
+                  </a:cubicBezTo>
+                  <a:cubicBezTo>
+                    <a:pt x="561" y="0"/>
+                    <a:pt x="561" y="0"/>
+                    <a:pt x="561" y="0"/>
+                  </a:cubicBezTo>
+                  <a:cubicBezTo>
+                    <a:pt x="578" y="0"/>
+                    <a:pt x="600" y="12"/>
+                    <a:pt x="609" y="27"/>
+                  </a:cubicBezTo>
+                  <a:cubicBezTo>
+                    <a:pt x="777" y="318"/>
+                    <a:pt x="777" y="318"/>
+                    <a:pt x="777" y="318"/>
+                  </a:cubicBezTo>
+                  <a:cubicBezTo>
+                    <a:pt x="785" y="334"/>
+                    <a:pt x="785" y="358"/>
+                    <a:pt x="777" y="374"/>
+                  </a:cubicBezTo>
+                  <a:cubicBezTo>
+                    <a:pt x="609" y="665"/>
+                    <a:pt x="609" y="665"/>
+                    <a:pt x="609" y="665"/>
+                  </a:cubicBezTo>
+                  <a:cubicBezTo>
+                    <a:pt x="600" y="680"/>
+                    <a:pt x="578" y="692"/>
+                    <a:pt x="561" y="692"/>
+                  </a:cubicBezTo>
+                  <a:lnTo>
+                    <a:pt x="225" y="692"/>
+                  </a:lnTo>
+                  <a:close/>
+                </a:path>
+              </a:pathLst>
+            </a:custGeom>
+            <a:noFill/>
+            <a:ln w="28575" cmpd="sng">
+              <a:solidFill>
+                <a:schemeClr val="bg1"/>
+              </a:solidFill>
+            </a:ln>
+          </p:spPr>
+          <p:txBody>
+            <a:bodyPr vert="horz" wrap="square" lIns="91440" tIns="45720" rIns="91440" bIns="45720" numCol="1" anchor="t" anchorCtr="0" compatLnSpc="1">
+              <a:prstTxWarp prst="textNoShape">
+                <a:avLst/>
+              </a:prstTxWarp>
+            </a:bodyPr>
+            <a:lstStyle/>
+            <a:p>
+              <a:endParaRPr lang="en-US"/>
+            </a:p>
+          </p:txBody>
+        </p:sp>
+        <p:sp>
+          <p:nvSpPr>
+            <p:cNvPr id="13" name="Freeform 5">
+              <a:extLst>
+                <a:ext uri="{FF2B5EF4-FFF2-40B4-BE49-F238E27FC236}">
+                  <a16:creationId xmlns:a16="http://schemas.microsoft.com/office/drawing/2014/main" id="{9A6BD9AC-4DE7-4B20-8547-4E3B375C21F7}"/>
+                </a:ext>
+                <a:ext uri="{C183D7F6-B498-43B3-948B-1728B52AA6E4}">
+                  <adec:decorative xmlns:adec="http://schemas.microsoft.com/office/drawing/2017/decorative" val="1"/>
+                </a:ext>
+              </a:extLst>
+            </p:cNvPr>
+            <p:cNvSpPr>
+              <a:spLocks/>
+            </p:cNvSpPr>
+            <p:nvPr>
+              <p:extLst>
+                <p:ext uri="{386F3935-93C4-4BCD-93E2-E3B085C9AB24}">
+                  <p16:designElem xmlns:p16="http://schemas.microsoft.com/office/powerpoint/2015/main" val="1"/>
+                </p:ext>
+              </p:extLst>
+            </p:nvPr>
+          </p:nvSpPr>
+          <p:spPr bwMode="auto">
+            <a:xfrm>
+              <a:off x="9960661" y="1075188"/>
+              <a:ext cx="762167" cy="671915"/>
+            </a:xfrm>
+            <a:custGeom>
+              <a:avLst/>
+              <a:gdLst>
+                <a:gd name="T0" fmla="*/ 225 w 785"/>
+                <a:gd name="T1" fmla="*/ 692 h 692"/>
+                <a:gd name="T2" fmla="*/ 177 w 785"/>
+                <a:gd name="T3" fmla="*/ 665 h 692"/>
+                <a:gd name="T4" fmla="*/ 9 w 785"/>
+                <a:gd name="T5" fmla="*/ 374 h 692"/>
+                <a:gd name="T6" fmla="*/ 9 w 785"/>
+                <a:gd name="T7" fmla="*/ 318 h 692"/>
+                <a:gd name="T8" fmla="*/ 177 w 785"/>
+                <a:gd name="T9" fmla="*/ 27 h 692"/>
+                <a:gd name="T10" fmla="*/ 225 w 785"/>
+                <a:gd name="T11" fmla="*/ 0 h 692"/>
+                <a:gd name="T12" fmla="*/ 561 w 785"/>
+                <a:gd name="T13" fmla="*/ 0 h 692"/>
+                <a:gd name="T14" fmla="*/ 609 w 785"/>
+                <a:gd name="T15" fmla="*/ 27 h 692"/>
+                <a:gd name="T16" fmla="*/ 777 w 785"/>
+                <a:gd name="T17" fmla="*/ 318 h 692"/>
+                <a:gd name="T18" fmla="*/ 777 w 785"/>
+                <a:gd name="T19" fmla="*/ 374 h 692"/>
+                <a:gd name="T20" fmla="*/ 609 w 785"/>
+                <a:gd name="T21" fmla="*/ 665 h 692"/>
+                <a:gd name="T22" fmla="*/ 561 w 785"/>
+                <a:gd name="T23" fmla="*/ 692 h 692"/>
+                <a:gd name="T24" fmla="*/ 225 w 785"/>
+                <a:gd name="T25" fmla="*/ 692 h 692"/>
+              </a:gdLst>
+              <a:ahLst/>
+              <a:cxnLst>
+                <a:cxn ang="0">
+                  <a:pos x="T0" y="T1"/>
+                </a:cxn>
+                <a:cxn ang="0">
+                  <a:pos x="T2" y="T3"/>
+                </a:cxn>
+                <a:cxn ang="0">
+                  <a:pos x="T4" y="T5"/>
+                </a:cxn>
+                <a:cxn ang="0">
+                  <a:pos x="T6" y="T7"/>
+                </a:cxn>
+                <a:cxn ang="0">
+                  <a:pos x="T8" y="T9"/>
+                </a:cxn>
+                <a:cxn ang="0">
+                  <a:pos x="T10" y="T11"/>
+                </a:cxn>
+                <a:cxn ang="0">
+                  <a:pos x="T12" y="T13"/>
+                </a:cxn>
+                <a:cxn ang="0">
+                  <a:pos x="T14" y="T15"/>
+                </a:cxn>
+                <a:cxn ang="0">
+                  <a:pos x="T16" y="T17"/>
+                </a:cxn>
+                <a:cxn ang="0">
+                  <a:pos x="T18" y="T19"/>
+                </a:cxn>
+                <a:cxn ang="0">
+                  <a:pos x="T20" y="T21"/>
+                </a:cxn>
+                <a:cxn ang="0">
+                  <a:pos x="T22" y="T23"/>
+                </a:cxn>
+                <a:cxn ang="0">
+                  <a:pos x="T24" y="T25"/>
+                </a:cxn>
+              </a:cxnLst>
+              <a:rect l="0" t="0" r="r" b="b"/>
+              <a:pathLst>
+                <a:path w="785" h="692">
+                  <a:moveTo>
+                    <a:pt x="225" y="692"/>
+                  </a:moveTo>
+                  <a:cubicBezTo>
+                    <a:pt x="207" y="692"/>
+                    <a:pt x="185" y="680"/>
+                    <a:pt x="177" y="665"/>
+                  </a:cubicBezTo>
+                  <a:cubicBezTo>
+                    <a:pt x="9" y="374"/>
+                    <a:pt x="9" y="374"/>
+                    <a:pt x="9" y="374"/>
+                  </a:cubicBezTo>
+                  <a:cubicBezTo>
+                    <a:pt x="0" y="358"/>
+                    <a:pt x="0" y="334"/>
+                    <a:pt x="9" y="318"/>
+                  </a:cubicBezTo>
+                  <a:cubicBezTo>
+                    <a:pt x="177" y="27"/>
+                    <a:pt x="177" y="27"/>
+                    <a:pt x="177" y="27"/>
+                  </a:cubicBezTo>
+                  <a:cubicBezTo>
+                    <a:pt x="185" y="12"/>
+                    <a:pt x="207" y="0"/>
+                    <a:pt x="225" y="0"/>
+                  </a:cubicBezTo>
+                  <a:cubicBezTo>
+                    <a:pt x="561" y="0"/>
+                    <a:pt x="561" y="0"/>
+                    <a:pt x="561" y="0"/>
+                  </a:cubicBezTo>
+                  <a:cubicBezTo>
+                    <a:pt x="578" y="0"/>
+                    <a:pt x="600" y="12"/>
+                    <a:pt x="609" y="27"/>
+                  </a:cubicBezTo>
+                  <a:cubicBezTo>
+                    <a:pt x="777" y="318"/>
+                    <a:pt x="777" y="318"/>
+                    <a:pt x="777" y="318"/>
+                  </a:cubicBezTo>
+                  <a:cubicBezTo>
+                    <a:pt x="785" y="334"/>
+                    <a:pt x="785" y="358"/>
+                    <a:pt x="777" y="374"/>
+                  </a:cubicBezTo>
+                  <a:cubicBezTo>
+                    <a:pt x="609" y="665"/>
+                    <a:pt x="609" y="665"/>
+                    <a:pt x="609" y="665"/>
+                  </a:cubicBezTo>
+                  <a:cubicBezTo>
+                    <a:pt x="600" y="680"/>
+                    <a:pt x="578" y="692"/>
+                    <a:pt x="561" y="692"/>
+                  </a:cubicBezTo>
+                  <a:lnTo>
+                    <a:pt x="225" y="692"/>
+                  </a:lnTo>
+                  <a:close/>
+                </a:path>
+              </a:pathLst>
+            </a:custGeom>
+            <a:noFill/>
+            <a:ln w="28575" cmpd="sng">
+              <a:solidFill>
+                <a:schemeClr val="bg1"/>
+              </a:solidFill>
+            </a:ln>
+          </p:spPr>
+          <p:txBody>
+            <a:bodyPr vert="horz" wrap="square" lIns="91440" tIns="45720" rIns="91440" bIns="45720" numCol="1" anchor="t" anchorCtr="0" compatLnSpc="1">
+              <a:prstTxWarp prst="textNoShape">
+                <a:avLst/>
+              </a:prstTxWarp>
+            </a:bodyPr>
+            <a:lstStyle/>
+            <a:p>
+              <a:endParaRPr lang="en-US"/>
+            </a:p>
+          </p:txBody>
+        </p:sp>
+      </p:grpSp>
       <p:pic>
         <p:nvPicPr>
-          <p:cNvPr id="2" name="Picture 1" descr="sqlserver.png"/>
+          <p:cNvPr id="3" name="Picture 2" descr="sqlserver.png">
+            <a:extLst>
+              <a:ext uri="{FF2B5EF4-FFF2-40B4-BE49-F238E27FC236}">
+                <a16:creationId xmlns:a16="http://schemas.microsoft.com/office/drawing/2014/main" id="{73CDC526-A0AE-437B-BAB9-4E8C488A254D}"/>
+              </a:ext>
+            </a:extLst>
+          </p:cNvPr>
           <p:cNvPicPr>
             <a:picLocks noGrp="1" noChangeAspect="1"/>
           </p:cNvPicPr>
@@ -3545,24 +4203,20 @@
         </p:nvPicPr>
         <p:blipFill>
           <a:blip r:embed="rId3"/>
+          <a:srcRect l="2193" t="4481" r="3658" b="6674"/>
           <a:stretch>
             <a:fillRect/>
           </a:stretch>
         </p:blipFill>
         <p:spPr bwMode="auto">
           <a:xfrm>
-            <a:off x="457200" y="1524000"/>
-            <a:ext cx="8229600" cy="2222500"/>
+            <a:off x="131736" y="1619573"/>
+            <a:ext cx="6540285" cy="1666364"/>
           </a:xfrm>
           <a:prstGeom prst="rect">
             <a:avLst/>
           </a:prstGeom>
           <a:noFill/>
-          <a:ln w="9525">
-            <a:noFill/>
-            <a:headEnd/>
-            <a:tailEnd/>
-          </a:ln>
         </p:spPr>
       </p:pic>
     </p:spTree>
@@ -3592,31 +4246,6 @@
       </p:grpSpPr>
       <p:sp>
         <p:nvSpPr>
-          <p:cNvPr id="2" name="Title 1"/>
-          <p:cNvSpPr>
-            <a:spLocks noGrp="1"/>
-          </p:cNvSpPr>
-          <p:nvPr>
-            <p:ph type="title"/>
-          </p:nvPr>
-        </p:nvSpPr>
-        <p:spPr/>
-        <p:txBody>
-          <a:bodyPr/>
-          <a:lstStyle/>
-          <a:p>
-            <a:pPr marL="0" lvl="0" indent="0">
-              <a:buNone/>
-            </a:pPr>
-            <a:r>
-              <a:rPr dirty="0"/>
-              <a:t>DDL - Data Definition Language</a:t>
-            </a:r>
-          </a:p>
-        </p:txBody>
-      </p:sp>
-      <p:sp>
-        <p:nvSpPr>
           <p:cNvPr id="3" name="Content Placeholder 2"/>
           <p:cNvSpPr>
             <a:spLocks noGrp="1"/>
@@ -3625,7 +4254,12 @@
             <p:ph idx="1"/>
           </p:nvPr>
         </p:nvSpPr>
-        <p:spPr/>
+        <p:spPr>
+          <a:xfrm>
+            <a:off x="457200" y="874514"/>
+            <a:ext cx="8229600" cy="3394472"/>
+          </a:xfrm>
+        </p:spPr>
         <p:txBody>
           <a:bodyPr>
             <a:noAutofit/>
@@ -3644,6 +4278,158 @@
               <a:rPr sz="1800" dirty="0"/>
               <a:t>DDL statements are crucial for establishing the database schema, defining relationships between tables, and ensuring data integrity. They serve as the foundation for organizing and managing data within SQL Server databases.</a:t>
             </a:r>
+          </a:p>
+        </p:txBody>
+      </p:sp>
+      <p:sp>
+        <p:nvSpPr>
+          <p:cNvPr id="4" name="Title 1">
+            <a:extLst>
+              <a:ext uri="{FF2B5EF4-FFF2-40B4-BE49-F238E27FC236}">
+                <a16:creationId xmlns:a16="http://schemas.microsoft.com/office/drawing/2014/main" id="{5EA0BC90-95A1-D01B-3F43-66FE58A0F728}"/>
+              </a:ext>
+            </a:extLst>
+          </p:cNvPr>
+          <p:cNvSpPr txBox="1">
+            <a:spLocks/>
+          </p:cNvSpPr>
+          <p:nvPr/>
+        </p:nvSpPr>
+        <p:spPr>
+          <a:xfrm>
+            <a:off x="0" y="1"/>
+            <a:ext cx="9144000" cy="548876"/>
+          </a:xfrm>
+          <a:prstGeom prst="rect">
+            <a:avLst/>
+          </a:prstGeom>
+          <a:solidFill>
+            <a:schemeClr val="tx1"/>
+          </a:solidFill>
+        </p:spPr>
+        <p:txBody>
+          <a:bodyPr vert="horz" lIns="91440" tIns="45720" rIns="91440" bIns="45720" rtlCol="0" anchor="ctr">
+            <a:normAutofit/>
+          </a:bodyPr>
+          <a:lstStyle>
+            <a:lvl1pPr algn="ctr" defTabSz="342900" rtl="0" eaLnBrk="1" latinLnBrk="0" hangingPunct="1">
+              <a:spcBef>
+                <a:spcPct val="0"/>
+              </a:spcBef>
+              <a:buNone/>
+              <a:defRPr sz="3300" kern="1200">
+                <a:solidFill>
+                  <a:schemeClr val="tx1"/>
+                </a:solidFill>
+                <a:latin typeface="+mj-lt"/>
+                <a:ea typeface="+mj-ea"/>
+                <a:cs typeface="+mj-cs"/>
+              </a:defRPr>
+            </a:lvl1pPr>
+          </a:lstStyle>
+          <a:p>
+            <a:pPr algn="l"/>
+            <a:r>
+              <a:rPr lang="en-IN" sz="2800" dirty="0">
+                <a:solidFill>
+                  <a:schemeClr val="bg1"/>
+                </a:solidFill>
+              </a:rPr>
+              <a:t>DDL - Data Definition Language</a:t>
+            </a:r>
+          </a:p>
+        </p:txBody>
+      </p:sp>
+      <p:pic>
+        <p:nvPicPr>
+          <p:cNvPr id="5" name="Picture 4">
+            <a:extLst>
+              <a:ext uri="{FF2B5EF4-FFF2-40B4-BE49-F238E27FC236}">
+                <a16:creationId xmlns:a16="http://schemas.microsoft.com/office/drawing/2014/main" id="{143CB91C-6F6F-C739-51E6-ABF514598E8B}"/>
+              </a:ext>
+            </a:extLst>
+          </p:cNvPr>
+          <p:cNvPicPr>
+            <a:picLocks noChangeAspect="1"/>
+          </p:cNvPicPr>
+          <p:nvPr/>
+        </p:nvPicPr>
+        <p:blipFill>
+          <a:blip r:embed="rId2"/>
+          <a:stretch>
+            <a:fillRect/>
+          </a:stretch>
+        </p:blipFill>
+        <p:spPr>
+          <a:xfrm>
+            <a:off x="5763675" y="51792"/>
+            <a:ext cx="3380325" cy="445294"/>
+          </a:xfrm>
+          <a:prstGeom prst="rect">
+            <a:avLst/>
+          </a:prstGeom>
+        </p:spPr>
+      </p:pic>
+      <p:sp>
+        <p:nvSpPr>
+          <p:cNvPr id="6" name="Title 1">
+            <a:extLst>
+              <a:ext uri="{FF2B5EF4-FFF2-40B4-BE49-F238E27FC236}">
+                <a16:creationId xmlns:a16="http://schemas.microsoft.com/office/drawing/2014/main" id="{6EA1C361-04DF-28CD-FC56-A408192A7BE2}"/>
+              </a:ext>
+            </a:extLst>
+          </p:cNvPr>
+          <p:cNvSpPr txBox="1">
+            <a:spLocks/>
+          </p:cNvSpPr>
+          <p:nvPr/>
+        </p:nvSpPr>
+        <p:spPr>
+          <a:xfrm>
+            <a:off x="0" y="4858718"/>
+            <a:ext cx="9144000" cy="284781"/>
+          </a:xfrm>
+          <a:prstGeom prst="rect">
+            <a:avLst/>
+          </a:prstGeom>
+          <a:solidFill>
+            <a:schemeClr val="tx1"/>
+          </a:solidFill>
+        </p:spPr>
+        <p:txBody>
+          <a:bodyPr vert="horz" lIns="91440" tIns="45720" rIns="91440" bIns="45720" rtlCol="0" anchor="ctr">
+            <a:normAutofit/>
+          </a:bodyPr>
+          <a:lstStyle>
+            <a:lvl1pPr algn="ctr" defTabSz="342900" rtl="0" eaLnBrk="1" latinLnBrk="0" hangingPunct="1">
+              <a:spcBef>
+                <a:spcPct val="0"/>
+              </a:spcBef>
+              <a:buNone/>
+              <a:defRPr sz="3300" kern="1200">
+                <a:solidFill>
+                  <a:schemeClr val="tx1"/>
+                </a:solidFill>
+                <a:latin typeface="+mj-lt"/>
+                <a:ea typeface="+mj-ea"/>
+                <a:cs typeface="+mj-cs"/>
+              </a:defRPr>
+            </a:lvl1pPr>
+          </a:lstStyle>
+          <a:p>
+            <a:r>
+              <a:rPr lang="en-IN" sz="1200" dirty="0">
+                <a:solidFill>
+                  <a:schemeClr val="bg1"/>
+                </a:solidFill>
+              </a:rPr>
+              <a:t>(©) tinitiate.com</a:t>
+            </a:r>
+            <a:endParaRPr lang="en-IN" sz="1000" dirty="0">
+              <a:solidFill>
+                <a:schemeClr val="bg1"/>
+              </a:solidFill>
+            </a:endParaRPr>
           </a:p>
         </p:txBody>
       </p:sp>
@@ -3674,31 +4460,6 @@
       </p:grpSpPr>
       <p:sp>
         <p:nvSpPr>
-          <p:cNvPr id="2" name="Title 1"/>
-          <p:cNvSpPr>
-            <a:spLocks noGrp="1"/>
-          </p:cNvSpPr>
-          <p:nvPr>
-            <p:ph type="title"/>
-          </p:nvPr>
-        </p:nvSpPr>
-        <p:spPr/>
-        <p:txBody>
-          <a:bodyPr/>
-          <a:lstStyle/>
-          <a:p>
-            <a:pPr marL="0" lvl="0" indent="0">
-              <a:buNone/>
-            </a:pPr>
-            <a:r>
-              <a:rPr dirty="0"/>
-              <a:t>Primary DDL commands in SQL Server:</a:t>
-            </a:r>
-          </a:p>
-        </p:txBody>
-      </p:sp>
-      <p:sp>
-        <p:nvSpPr>
           <p:cNvPr id="3" name="Content Placeholder 2"/>
           <p:cNvSpPr>
             <a:spLocks noGrp="1"/>
@@ -3707,7 +4468,12 @@
             <p:ph idx="1"/>
           </p:nvPr>
         </p:nvSpPr>
-        <p:spPr/>
+        <p:spPr>
+          <a:xfrm>
+            <a:off x="457200" y="874514"/>
+            <a:ext cx="8229600" cy="3394472"/>
+          </a:xfrm>
+        </p:spPr>
         <p:txBody>
           <a:bodyPr>
             <a:noAutofit/>
@@ -4125,6 +4891,163 @@
             </a:r>
             <a:endParaRPr sz="1800" dirty="0">
               <a:latin typeface="Courier"/>
+            </a:endParaRPr>
+          </a:p>
+        </p:txBody>
+      </p:sp>
+      <p:sp>
+        <p:nvSpPr>
+          <p:cNvPr id="4" name="Title 1">
+            <a:extLst>
+              <a:ext uri="{FF2B5EF4-FFF2-40B4-BE49-F238E27FC236}">
+                <a16:creationId xmlns:a16="http://schemas.microsoft.com/office/drawing/2014/main" id="{C9D91B9F-5705-4398-8568-C25CE3CC4113}"/>
+              </a:ext>
+            </a:extLst>
+          </p:cNvPr>
+          <p:cNvSpPr txBox="1">
+            <a:spLocks/>
+          </p:cNvSpPr>
+          <p:nvPr/>
+        </p:nvSpPr>
+        <p:spPr>
+          <a:xfrm>
+            <a:off x="0" y="1"/>
+            <a:ext cx="9144000" cy="548876"/>
+          </a:xfrm>
+          <a:prstGeom prst="rect">
+            <a:avLst/>
+          </a:prstGeom>
+          <a:solidFill>
+            <a:schemeClr val="tx1"/>
+          </a:solidFill>
+        </p:spPr>
+        <p:txBody>
+          <a:bodyPr vert="horz" lIns="91440" tIns="45720" rIns="91440" bIns="45720" rtlCol="0" anchor="ctr">
+            <a:normAutofit/>
+          </a:bodyPr>
+          <a:lstStyle>
+            <a:lvl1pPr algn="ctr" defTabSz="342900" rtl="0" eaLnBrk="1" latinLnBrk="0" hangingPunct="1">
+              <a:spcBef>
+                <a:spcPct val="0"/>
+              </a:spcBef>
+              <a:buNone/>
+              <a:defRPr sz="3300" kern="1200">
+                <a:solidFill>
+                  <a:schemeClr val="tx1"/>
+                </a:solidFill>
+                <a:latin typeface="+mj-lt"/>
+                <a:ea typeface="+mj-ea"/>
+                <a:cs typeface="+mj-cs"/>
+              </a:defRPr>
+            </a:lvl1pPr>
+          </a:lstStyle>
+          <a:p>
+            <a:pPr algn="l"/>
+            <a:r>
+              <a:rPr lang="en-US" sz="2800" dirty="0">
+                <a:solidFill>
+                  <a:schemeClr val="bg1"/>
+                </a:solidFill>
+              </a:rPr>
+              <a:t>Primary DDL commands in SQL Server:</a:t>
+            </a:r>
+            <a:endParaRPr lang="en-IN" sz="2800" dirty="0">
+              <a:solidFill>
+                <a:schemeClr val="bg1"/>
+              </a:solidFill>
+            </a:endParaRPr>
+          </a:p>
+        </p:txBody>
+      </p:sp>
+      <p:pic>
+        <p:nvPicPr>
+          <p:cNvPr id="5" name="Picture 4">
+            <a:extLst>
+              <a:ext uri="{FF2B5EF4-FFF2-40B4-BE49-F238E27FC236}">
+                <a16:creationId xmlns:a16="http://schemas.microsoft.com/office/drawing/2014/main" id="{7302FA79-24B3-5EED-88CD-09CE4E5C63CA}"/>
+              </a:ext>
+            </a:extLst>
+          </p:cNvPr>
+          <p:cNvPicPr>
+            <a:picLocks noChangeAspect="1"/>
+          </p:cNvPicPr>
+          <p:nvPr/>
+        </p:nvPicPr>
+        <p:blipFill>
+          <a:blip r:embed="rId2"/>
+          <a:stretch>
+            <a:fillRect/>
+          </a:stretch>
+        </p:blipFill>
+        <p:spPr>
+          <a:xfrm>
+            <a:off x="5763675" y="51792"/>
+            <a:ext cx="3380325" cy="445294"/>
+          </a:xfrm>
+          <a:prstGeom prst="rect">
+            <a:avLst/>
+          </a:prstGeom>
+        </p:spPr>
+      </p:pic>
+      <p:sp>
+        <p:nvSpPr>
+          <p:cNvPr id="6" name="Title 1">
+            <a:extLst>
+              <a:ext uri="{FF2B5EF4-FFF2-40B4-BE49-F238E27FC236}">
+                <a16:creationId xmlns:a16="http://schemas.microsoft.com/office/drawing/2014/main" id="{3D47DAEB-460B-88C6-FDC9-77CF096D24D4}"/>
+              </a:ext>
+            </a:extLst>
+          </p:cNvPr>
+          <p:cNvSpPr txBox="1">
+            <a:spLocks/>
+          </p:cNvSpPr>
+          <p:nvPr/>
+        </p:nvSpPr>
+        <p:spPr>
+          <a:xfrm>
+            <a:off x="0" y="4858718"/>
+            <a:ext cx="9144000" cy="284781"/>
+          </a:xfrm>
+          <a:prstGeom prst="rect">
+            <a:avLst/>
+          </a:prstGeom>
+          <a:solidFill>
+            <a:schemeClr val="tx1"/>
+          </a:solidFill>
+        </p:spPr>
+        <p:txBody>
+          <a:bodyPr vert="horz" lIns="91440" tIns="45720" rIns="91440" bIns="45720" rtlCol="0" anchor="ctr">
+            <a:normAutofit/>
+          </a:bodyPr>
+          <a:lstStyle>
+            <a:lvl1pPr algn="ctr" defTabSz="342900" rtl="0" eaLnBrk="1" latinLnBrk="0" hangingPunct="1">
+              <a:spcBef>
+                <a:spcPct val="0"/>
+              </a:spcBef>
+              <a:buNone/>
+              <a:defRPr sz="3300" kern="1200">
+                <a:solidFill>
+                  <a:schemeClr val="tx1"/>
+                </a:solidFill>
+                <a:latin typeface="+mj-lt"/>
+                <a:ea typeface="+mj-ea"/>
+                <a:cs typeface="+mj-cs"/>
+              </a:defRPr>
+            </a:lvl1pPr>
+          </a:lstStyle>
+          <a:p>
+            <a:r>
+              <a:rPr lang="en-IN" sz="1200" dirty="0">
+                <a:solidFill>
+                  <a:schemeClr val="bg1"/>
+                </a:solidFill>
+              </a:rPr>
+              <a:t>(©) tinitiate.com</a:t>
+            </a:r>
+            <a:endParaRPr lang="en-IN" sz="1000" dirty="0">
+              <a:solidFill>
+                <a:schemeClr val="bg1"/>
+              </a:solidFill>
             </a:endParaRPr>
           </a:p>
         </p:txBody>
@@ -4162,37 +5085,6 @@
       </p:grpSpPr>
       <p:sp>
         <p:nvSpPr>
-          <p:cNvPr id="2" name="Title 1">
-            <a:extLst>
-              <a:ext uri="{FF2B5EF4-FFF2-40B4-BE49-F238E27FC236}">
-                <a16:creationId xmlns:a16="http://schemas.microsoft.com/office/drawing/2014/main" id="{4CE7E732-8792-5BDC-5355-24441A41B976}"/>
-              </a:ext>
-            </a:extLst>
-          </p:cNvPr>
-          <p:cNvSpPr>
-            <a:spLocks noGrp="1"/>
-          </p:cNvSpPr>
-          <p:nvPr>
-            <p:ph type="title"/>
-          </p:nvPr>
-        </p:nvSpPr>
-        <p:spPr/>
-        <p:txBody>
-          <a:bodyPr/>
-          <a:lstStyle/>
-          <a:p>
-            <a:pPr marL="0" lvl="0" indent="0">
-              <a:buNone/>
-            </a:pPr>
-            <a:r>
-              <a:rPr dirty="0"/>
-              <a:t>Primary DDL commands in SQL Server:</a:t>
-            </a:r>
-          </a:p>
-        </p:txBody>
-      </p:sp>
-      <p:sp>
-        <p:nvSpPr>
           <p:cNvPr id="3" name="Content Placeholder 2">
             <a:extLst>
               <a:ext uri="{FF2B5EF4-FFF2-40B4-BE49-F238E27FC236}">
@@ -4207,7 +5099,12 @@
             <p:ph idx="1"/>
           </p:nvPr>
         </p:nvSpPr>
-        <p:spPr/>
+        <p:spPr>
+          <a:xfrm>
+            <a:off x="457200" y="874514"/>
+            <a:ext cx="8229600" cy="3394472"/>
+          </a:xfrm>
+        </p:spPr>
         <p:txBody>
           <a:bodyPr>
             <a:noAutofit/>
@@ -4867,6 +5764,163 @@
             </a:r>
             <a:endParaRPr lang="en-US" sz="1600" dirty="0">
               <a:latin typeface="Courier"/>
+            </a:endParaRPr>
+          </a:p>
+        </p:txBody>
+      </p:sp>
+      <p:sp>
+        <p:nvSpPr>
+          <p:cNvPr id="4" name="Title 1">
+            <a:extLst>
+              <a:ext uri="{FF2B5EF4-FFF2-40B4-BE49-F238E27FC236}">
+                <a16:creationId xmlns:a16="http://schemas.microsoft.com/office/drawing/2014/main" id="{8C0F69B5-4C7D-39ED-018F-5A0EBE5CB0EF}"/>
+              </a:ext>
+            </a:extLst>
+          </p:cNvPr>
+          <p:cNvSpPr txBox="1">
+            <a:spLocks/>
+          </p:cNvSpPr>
+          <p:nvPr/>
+        </p:nvSpPr>
+        <p:spPr>
+          <a:xfrm>
+            <a:off x="0" y="1"/>
+            <a:ext cx="9144000" cy="548876"/>
+          </a:xfrm>
+          <a:prstGeom prst="rect">
+            <a:avLst/>
+          </a:prstGeom>
+          <a:solidFill>
+            <a:schemeClr val="tx1"/>
+          </a:solidFill>
+        </p:spPr>
+        <p:txBody>
+          <a:bodyPr vert="horz" lIns="91440" tIns="45720" rIns="91440" bIns="45720" rtlCol="0" anchor="ctr">
+            <a:normAutofit/>
+          </a:bodyPr>
+          <a:lstStyle>
+            <a:lvl1pPr algn="ctr" defTabSz="342900" rtl="0" eaLnBrk="1" latinLnBrk="0" hangingPunct="1">
+              <a:spcBef>
+                <a:spcPct val="0"/>
+              </a:spcBef>
+              <a:buNone/>
+              <a:defRPr sz="3300" kern="1200">
+                <a:solidFill>
+                  <a:schemeClr val="tx1"/>
+                </a:solidFill>
+                <a:latin typeface="+mj-lt"/>
+                <a:ea typeface="+mj-ea"/>
+                <a:cs typeface="+mj-cs"/>
+              </a:defRPr>
+            </a:lvl1pPr>
+          </a:lstStyle>
+          <a:p>
+            <a:pPr algn="l"/>
+            <a:r>
+              <a:rPr lang="en-US" sz="2800" dirty="0">
+                <a:solidFill>
+                  <a:schemeClr val="bg1"/>
+                </a:solidFill>
+              </a:rPr>
+              <a:t>Primary DDL commands in SQL Server:</a:t>
+            </a:r>
+            <a:endParaRPr lang="en-IN" sz="2800" dirty="0">
+              <a:solidFill>
+                <a:schemeClr val="bg1"/>
+              </a:solidFill>
+            </a:endParaRPr>
+          </a:p>
+        </p:txBody>
+      </p:sp>
+      <p:pic>
+        <p:nvPicPr>
+          <p:cNvPr id="5" name="Picture 4">
+            <a:extLst>
+              <a:ext uri="{FF2B5EF4-FFF2-40B4-BE49-F238E27FC236}">
+                <a16:creationId xmlns:a16="http://schemas.microsoft.com/office/drawing/2014/main" id="{DB935131-D4A1-39DA-0E86-3B9DB795CEC9}"/>
+              </a:ext>
+            </a:extLst>
+          </p:cNvPr>
+          <p:cNvPicPr>
+            <a:picLocks noChangeAspect="1"/>
+          </p:cNvPicPr>
+          <p:nvPr/>
+        </p:nvPicPr>
+        <p:blipFill>
+          <a:blip r:embed="rId2"/>
+          <a:stretch>
+            <a:fillRect/>
+          </a:stretch>
+        </p:blipFill>
+        <p:spPr>
+          <a:xfrm>
+            <a:off x="5763675" y="51792"/>
+            <a:ext cx="3380325" cy="445294"/>
+          </a:xfrm>
+          <a:prstGeom prst="rect">
+            <a:avLst/>
+          </a:prstGeom>
+        </p:spPr>
+      </p:pic>
+      <p:sp>
+        <p:nvSpPr>
+          <p:cNvPr id="6" name="Title 1">
+            <a:extLst>
+              <a:ext uri="{FF2B5EF4-FFF2-40B4-BE49-F238E27FC236}">
+                <a16:creationId xmlns:a16="http://schemas.microsoft.com/office/drawing/2014/main" id="{E11B94CF-413C-E2B1-048D-2268989FE87B}"/>
+              </a:ext>
+            </a:extLst>
+          </p:cNvPr>
+          <p:cNvSpPr txBox="1">
+            <a:spLocks/>
+          </p:cNvSpPr>
+          <p:nvPr/>
+        </p:nvSpPr>
+        <p:spPr>
+          <a:xfrm>
+            <a:off x="0" y="4858718"/>
+            <a:ext cx="9144000" cy="284781"/>
+          </a:xfrm>
+          <a:prstGeom prst="rect">
+            <a:avLst/>
+          </a:prstGeom>
+          <a:solidFill>
+            <a:schemeClr val="tx1"/>
+          </a:solidFill>
+        </p:spPr>
+        <p:txBody>
+          <a:bodyPr vert="horz" lIns="91440" tIns="45720" rIns="91440" bIns="45720" rtlCol="0" anchor="ctr">
+            <a:normAutofit/>
+          </a:bodyPr>
+          <a:lstStyle>
+            <a:lvl1pPr algn="ctr" defTabSz="342900" rtl="0" eaLnBrk="1" latinLnBrk="0" hangingPunct="1">
+              <a:spcBef>
+                <a:spcPct val="0"/>
+              </a:spcBef>
+              <a:buNone/>
+              <a:defRPr sz="3300" kern="1200">
+                <a:solidFill>
+                  <a:schemeClr val="tx1"/>
+                </a:solidFill>
+                <a:latin typeface="+mj-lt"/>
+                <a:ea typeface="+mj-ea"/>
+                <a:cs typeface="+mj-cs"/>
+              </a:defRPr>
+            </a:lvl1pPr>
+          </a:lstStyle>
+          <a:p>
+            <a:r>
+              <a:rPr lang="en-IN" sz="1200" dirty="0">
+                <a:solidFill>
+                  <a:schemeClr val="bg1"/>
+                </a:solidFill>
+              </a:rPr>
+              <a:t>(©) tinitiate.com</a:t>
+            </a:r>
+            <a:endParaRPr lang="en-IN" sz="1000" dirty="0">
+              <a:solidFill>
+                <a:schemeClr val="bg1"/>
+              </a:solidFill>
             </a:endParaRPr>
           </a:p>
         </p:txBody>
@@ -4909,37 +5963,6 @@
       </p:grpSpPr>
       <p:sp>
         <p:nvSpPr>
-          <p:cNvPr id="2" name="Title 1">
-            <a:extLst>
-              <a:ext uri="{FF2B5EF4-FFF2-40B4-BE49-F238E27FC236}">
-                <a16:creationId xmlns:a16="http://schemas.microsoft.com/office/drawing/2014/main" id="{5904FFDC-E913-9DB0-2F67-564BA893EEE0}"/>
-              </a:ext>
-            </a:extLst>
-          </p:cNvPr>
-          <p:cNvSpPr>
-            <a:spLocks noGrp="1"/>
-          </p:cNvSpPr>
-          <p:nvPr>
-            <p:ph type="title"/>
-          </p:nvPr>
-        </p:nvSpPr>
-        <p:spPr/>
-        <p:txBody>
-          <a:bodyPr/>
-          <a:lstStyle/>
-          <a:p>
-            <a:pPr marL="0" lvl="0" indent="0">
-              <a:buNone/>
-            </a:pPr>
-            <a:r>
-              <a:rPr dirty="0"/>
-              <a:t>Primary DDL commands in SQL Server:</a:t>
-            </a:r>
-          </a:p>
-        </p:txBody>
-      </p:sp>
-      <p:sp>
-        <p:nvSpPr>
           <p:cNvPr id="3" name="Content Placeholder 2">
             <a:extLst>
               <a:ext uri="{FF2B5EF4-FFF2-40B4-BE49-F238E27FC236}">
@@ -4954,7 +5977,12 @@
             <p:ph idx="1"/>
           </p:nvPr>
         </p:nvSpPr>
-        <p:spPr/>
+        <p:spPr>
+          <a:xfrm>
+            <a:off x="457200" y="874514"/>
+            <a:ext cx="8229600" cy="3394472"/>
+          </a:xfrm>
+        </p:spPr>
         <p:txBody>
           <a:bodyPr>
             <a:noAutofit/>
@@ -5401,6 +6429,163 @@
             </a:r>
             <a:endParaRPr sz="1800" dirty="0">
               <a:latin typeface="Courier"/>
+            </a:endParaRPr>
+          </a:p>
+        </p:txBody>
+      </p:sp>
+      <p:sp>
+        <p:nvSpPr>
+          <p:cNvPr id="4" name="Title 1">
+            <a:extLst>
+              <a:ext uri="{FF2B5EF4-FFF2-40B4-BE49-F238E27FC236}">
+                <a16:creationId xmlns:a16="http://schemas.microsoft.com/office/drawing/2014/main" id="{0B18C5BF-4487-7CC3-0900-76E33FABAF99}"/>
+              </a:ext>
+            </a:extLst>
+          </p:cNvPr>
+          <p:cNvSpPr txBox="1">
+            <a:spLocks/>
+          </p:cNvSpPr>
+          <p:nvPr/>
+        </p:nvSpPr>
+        <p:spPr>
+          <a:xfrm>
+            <a:off x="0" y="1"/>
+            <a:ext cx="9144000" cy="548876"/>
+          </a:xfrm>
+          <a:prstGeom prst="rect">
+            <a:avLst/>
+          </a:prstGeom>
+          <a:solidFill>
+            <a:schemeClr val="tx1"/>
+          </a:solidFill>
+        </p:spPr>
+        <p:txBody>
+          <a:bodyPr vert="horz" lIns="91440" tIns="45720" rIns="91440" bIns="45720" rtlCol="0" anchor="ctr">
+            <a:normAutofit/>
+          </a:bodyPr>
+          <a:lstStyle>
+            <a:lvl1pPr algn="ctr" defTabSz="342900" rtl="0" eaLnBrk="1" latinLnBrk="0" hangingPunct="1">
+              <a:spcBef>
+                <a:spcPct val="0"/>
+              </a:spcBef>
+              <a:buNone/>
+              <a:defRPr sz="3300" kern="1200">
+                <a:solidFill>
+                  <a:schemeClr val="tx1"/>
+                </a:solidFill>
+                <a:latin typeface="+mj-lt"/>
+                <a:ea typeface="+mj-ea"/>
+                <a:cs typeface="+mj-cs"/>
+              </a:defRPr>
+            </a:lvl1pPr>
+          </a:lstStyle>
+          <a:p>
+            <a:pPr algn="l"/>
+            <a:r>
+              <a:rPr lang="en-US" sz="2800" dirty="0">
+                <a:solidFill>
+                  <a:schemeClr val="bg1"/>
+                </a:solidFill>
+              </a:rPr>
+              <a:t>Primary DDL commands in SQL Server:</a:t>
+            </a:r>
+            <a:endParaRPr lang="en-IN" sz="2800" dirty="0">
+              <a:solidFill>
+                <a:schemeClr val="bg1"/>
+              </a:solidFill>
+            </a:endParaRPr>
+          </a:p>
+        </p:txBody>
+      </p:sp>
+      <p:pic>
+        <p:nvPicPr>
+          <p:cNvPr id="5" name="Picture 4">
+            <a:extLst>
+              <a:ext uri="{FF2B5EF4-FFF2-40B4-BE49-F238E27FC236}">
+                <a16:creationId xmlns:a16="http://schemas.microsoft.com/office/drawing/2014/main" id="{8D71ED83-EE68-19DC-B862-60483DAE4715}"/>
+              </a:ext>
+            </a:extLst>
+          </p:cNvPr>
+          <p:cNvPicPr>
+            <a:picLocks noChangeAspect="1"/>
+          </p:cNvPicPr>
+          <p:nvPr/>
+        </p:nvPicPr>
+        <p:blipFill>
+          <a:blip r:embed="rId2"/>
+          <a:stretch>
+            <a:fillRect/>
+          </a:stretch>
+        </p:blipFill>
+        <p:spPr>
+          <a:xfrm>
+            <a:off x="5763675" y="51792"/>
+            <a:ext cx="3380325" cy="445294"/>
+          </a:xfrm>
+          <a:prstGeom prst="rect">
+            <a:avLst/>
+          </a:prstGeom>
+        </p:spPr>
+      </p:pic>
+      <p:sp>
+        <p:nvSpPr>
+          <p:cNvPr id="6" name="Title 1">
+            <a:extLst>
+              <a:ext uri="{FF2B5EF4-FFF2-40B4-BE49-F238E27FC236}">
+                <a16:creationId xmlns:a16="http://schemas.microsoft.com/office/drawing/2014/main" id="{8C657FA5-7481-04DD-36C7-853628987107}"/>
+              </a:ext>
+            </a:extLst>
+          </p:cNvPr>
+          <p:cNvSpPr txBox="1">
+            <a:spLocks/>
+          </p:cNvSpPr>
+          <p:nvPr/>
+        </p:nvSpPr>
+        <p:spPr>
+          <a:xfrm>
+            <a:off x="0" y="4858718"/>
+            <a:ext cx="9144000" cy="284781"/>
+          </a:xfrm>
+          <a:prstGeom prst="rect">
+            <a:avLst/>
+          </a:prstGeom>
+          <a:solidFill>
+            <a:schemeClr val="tx1"/>
+          </a:solidFill>
+        </p:spPr>
+        <p:txBody>
+          <a:bodyPr vert="horz" lIns="91440" tIns="45720" rIns="91440" bIns="45720" rtlCol="0" anchor="ctr">
+            <a:normAutofit/>
+          </a:bodyPr>
+          <a:lstStyle>
+            <a:lvl1pPr algn="ctr" defTabSz="342900" rtl="0" eaLnBrk="1" latinLnBrk="0" hangingPunct="1">
+              <a:spcBef>
+                <a:spcPct val="0"/>
+              </a:spcBef>
+              <a:buNone/>
+              <a:defRPr sz="3300" kern="1200">
+                <a:solidFill>
+                  <a:schemeClr val="tx1"/>
+                </a:solidFill>
+                <a:latin typeface="+mj-lt"/>
+                <a:ea typeface="+mj-ea"/>
+                <a:cs typeface="+mj-cs"/>
+              </a:defRPr>
+            </a:lvl1pPr>
+          </a:lstStyle>
+          <a:p>
+            <a:r>
+              <a:rPr lang="en-IN" sz="1200" dirty="0">
+                <a:solidFill>
+                  <a:schemeClr val="bg1"/>
+                </a:solidFill>
+              </a:rPr>
+              <a:t>(©) tinitiate.com</a:t>
+            </a:r>
+            <a:endParaRPr lang="en-IN" sz="1000" dirty="0">
+              <a:solidFill>
+                <a:schemeClr val="bg1"/>
+              </a:solidFill>
             </a:endParaRPr>
           </a:p>
         </p:txBody>
@@ -5443,37 +6628,6 @@
       </p:grpSpPr>
       <p:sp>
         <p:nvSpPr>
-          <p:cNvPr id="2" name="Title 1">
-            <a:extLst>
-              <a:ext uri="{FF2B5EF4-FFF2-40B4-BE49-F238E27FC236}">
-                <a16:creationId xmlns:a16="http://schemas.microsoft.com/office/drawing/2014/main" id="{B88E4811-2B7F-F277-C75A-7941A1B360E8}"/>
-              </a:ext>
-            </a:extLst>
-          </p:cNvPr>
-          <p:cNvSpPr>
-            <a:spLocks noGrp="1"/>
-          </p:cNvSpPr>
-          <p:nvPr>
-            <p:ph type="title"/>
-          </p:nvPr>
-        </p:nvSpPr>
-        <p:spPr/>
-        <p:txBody>
-          <a:bodyPr/>
-          <a:lstStyle/>
-          <a:p>
-            <a:pPr marL="0" lvl="0" indent="0">
-              <a:buNone/>
-            </a:pPr>
-            <a:r>
-              <a:rPr dirty="0"/>
-              <a:t>Primary DDL commands in SQL Server:</a:t>
-            </a:r>
-          </a:p>
-        </p:txBody>
-      </p:sp>
-      <p:sp>
-        <p:nvSpPr>
           <p:cNvPr id="3" name="Content Placeholder 2">
             <a:extLst>
               <a:ext uri="{FF2B5EF4-FFF2-40B4-BE49-F238E27FC236}">
@@ -5488,7 +6642,12 @@
             <p:ph idx="1"/>
           </p:nvPr>
         </p:nvSpPr>
-        <p:spPr/>
+        <p:spPr>
+          <a:xfrm>
+            <a:off x="457200" y="874514"/>
+            <a:ext cx="8229600" cy="3394472"/>
+          </a:xfrm>
+        </p:spPr>
         <p:txBody>
           <a:bodyPr>
             <a:noAutofit/>
@@ -5766,6 +6925,163 @@
             </a:r>
             <a:endParaRPr sz="1800" dirty="0">
               <a:latin typeface="Courier"/>
+            </a:endParaRPr>
+          </a:p>
+        </p:txBody>
+      </p:sp>
+      <p:sp>
+        <p:nvSpPr>
+          <p:cNvPr id="4" name="Title 1">
+            <a:extLst>
+              <a:ext uri="{FF2B5EF4-FFF2-40B4-BE49-F238E27FC236}">
+                <a16:creationId xmlns:a16="http://schemas.microsoft.com/office/drawing/2014/main" id="{D6868F00-09A2-028C-596E-ACF99D5962F4}"/>
+              </a:ext>
+            </a:extLst>
+          </p:cNvPr>
+          <p:cNvSpPr txBox="1">
+            <a:spLocks/>
+          </p:cNvSpPr>
+          <p:nvPr/>
+        </p:nvSpPr>
+        <p:spPr>
+          <a:xfrm>
+            <a:off x="0" y="1"/>
+            <a:ext cx="9144000" cy="548876"/>
+          </a:xfrm>
+          <a:prstGeom prst="rect">
+            <a:avLst/>
+          </a:prstGeom>
+          <a:solidFill>
+            <a:schemeClr val="tx1"/>
+          </a:solidFill>
+        </p:spPr>
+        <p:txBody>
+          <a:bodyPr vert="horz" lIns="91440" tIns="45720" rIns="91440" bIns="45720" rtlCol="0" anchor="ctr">
+            <a:normAutofit/>
+          </a:bodyPr>
+          <a:lstStyle>
+            <a:lvl1pPr algn="ctr" defTabSz="342900" rtl="0" eaLnBrk="1" latinLnBrk="0" hangingPunct="1">
+              <a:spcBef>
+                <a:spcPct val="0"/>
+              </a:spcBef>
+              <a:buNone/>
+              <a:defRPr sz="3300" kern="1200">
+                <a:solidFill>
+                  <a:schemeClr val="tx1"/>
+                </a:solidFill>
+                <a:latin typeface="+mj-lt"/>
+                <a:ea typeface="+mj-ea"/>
+                <a:cs typeface="+mj-cs"/>
+              </a:defRPr>
+            </a:lvl1pPr>
+          </a:lstStyle>
+          <a:p>
+            <a:pPr algn="l"/>
+            <a:r>
+              <a:rPr lang="en-US" sz="2800" dirty="0">
+                <a:solidFill>
+                  <a:schemeClr val="bg1"/>
+                </a:solidFill>
+              </a:rPr>
+              <a:t>Primary DDL commands in SQL Server:</a:t>
+            </a:r>
+            <a:endParaRPr lang="en-IN" sz="2800" dirty="0">
+              <a:solidFill>
+                <a:schemeClr val="bg1"/>
+              </a:solidFill>
+            </a:endParaRPr>
+          </a:p>
+        </p:txBody>
+      </p:sp>
+      <p:pic>
+        <p:nvPicPr>
+          <p:cNvPr id="5" name="Picture 4">
+            <a:extLst>
+              <a:ext uri="{FF2B5EF4-FFF2-40B4-BE49-F238E27FC236}">
+                <a16:creationId xmlns:a16="http://schemas.microsoft.com/office/drawing/2014/main" id="{D772D509-6EB3-D9CB-E619-3D2C6A3BF334}"/>
+              </a:ext>
+            </a:extLst>
+          </p:cNvPr>
+          <p:cNvPicPr>
+            <a:picLocks noChangeAspect="1"/>
+          </p:cNvPicPr>
+          <p:nvPr/>
+        </p:nvPicPr>
+        <p:blipFill>
+          <a:blip r:embed="rId2"/>
+          <a:stretch>
+            <a:fillRect/>
+          </a:stretch>
+        </p:blipFill>
+        <p:spPr>
+          <a:xfrm>
+            <a:off x="5763675" y="51792"/>
+            <a:ext cx="3380325" cy="445294"/>
+          </a:xfrm>
+          <a:prstGeom prst="rect">
+            <a:avLst/>
+          </a:prstGeom>
+        </p:spPr>
+      </p:pic>
+      <p:sp>
+        <p:nvSpPr>
+          <p:cNvPr id="6" name="Title 1">
+            <a:extLst>
+              <a:ext uri="{FF2B5EF4-FFF2-40B4-BE49-F238E27FC236}">
+                <a16:creationId xmlns:a16="http://schemas.microsoft.com/office/drawing/2014/main" id="{84DE8EF4-B0C9-CF27-743C-C296C6E6D862}"/>
+              </a:ext>
+            </a:extLst>
+          </p:cNvPr>
+          <p:cNvSpPr txBox="1">
+            <a:spLocks/>
+          </p:cNvSpPr>
+          <p:nvPr/>
+        </p:nvSpPr>
+        <p:spPr>
+          <a:xfrm>
+            <a:off x="0" y="4858718"/>
+            <a:ext cx="9144000" cy="284781"/>
+          </a:xfrm>
+          <a:prstGeom prst="rect">
+            <a:avLst/>
+          </a:prstGeom>
+          <a:solidFill>
+            <a:schemeClr val="tx1"/>
+          </a:solidFill>
+        </p:spPr>
+        <p:txBody>
+          <a:bodyPr vert="horz" lIns="91440" tIns="45720" rIns="91440" bIns="45720" rtlCol="0" anchor="ctr">
+            <a:normAutofit/>
+          </a:bodyPr>
+          <a:lstStyle>
+            <a:lvl1pPr algn="ctr" defTabSz="342900" rtl="0" eaLnBrk="1" latinLnBrk="0" hangingPunct="1">
+              <a:spcBef>
+                <a:spcPct val="0"/>
+              </a:spcBef>
+              <a:buNone/>
+              <a:defRPr sz="3300" kern="1200">
+                <a:solidFill>
+                  <a:schemeClr val="tx1"/>
+                </a:solidFill>
+                <a:latin typeface="+mj-lt"/>
+                <a:ea typeface="+mj-ea"/>
+                <a:cs typeface="+mj-cs"/>
+              </a:defRPr>
+            </a:lvl1pPr>
+          </a:lstStyle>
+          <a:p>
+            <a:r>
+              <a:rPr lang="en-IN" sz="1200" dirty="0">
+                <a:solidFill>
+                  <a:schemeClr val="bg1"/>
+                </a:solidFill>
+              </a:rPr>
+              <a:t>(©) tinitiate.com</a:t>
+            </a:r>
+            <a:endParaRPr lang="en-IN" sz="1000" dirty="0">
+              <a:solidFill>
+                <a:schemeClr val="bg1"/>
+              </a:solidFill>
             </a:endParaRPr>
           </a:p>
         </p:txBody>
@@ -5808,37 +7124,6 @@
       </p:grpSpPr>
       <p:sp>
         <p:nvSpPr>
-          <p:cNvPr id="2" name="Title 1">
-            <a:extLst>
-              <a:ext uri="{FF2B5EF4-FFF2-40B4-BE49-F238E27FC236}">
-                <a16:creationId xmlns:a16="http://schemas.microsoft.com/office/drawing/2014/main" id="{F3977423-CD85-E69B-ACAF-5E353139AE94}"/>
-              </a:ext>
-            </a:extLst>
-          </p:cNvPr>
-          <p:cNvSpPr>
-            <a:spLocks noGrp="1"/>
-          </p:cNvSpPr>
-          <p:nvPr>
-            <p:ph type="title"/>
-          </p:nvPr>
-        </p:nvSpPr>
-        <p:spPr/>
-        <p:txBody>
-          <a:bodyPr/>
-          <a:lstStyle/>
-          <a:p>
-            <a:pPr marL="0" lvl="0" indent="0">
-              <a:buNone/>
-            </a:pPr>
-            <a:r>
-              <a:rPr dirty="0"/>
-              <a:t>Primary DDL commands in SQL Server:</a:t>
-            </a:r>
-          </a:p>
-        </p:txBody>
-      </p:sp>
-      <p:sp>
-        <p:nvSpPr>
           <p:cNvPr id="3" name="Content Placeholder 2">
             <a:extLst>
               <a:ext uri="{FF2B5EF4-FFF2-40B4-BE49-F238E27FC236}">
@@ -5853,7 +7138,12 @@
             <p:ph idx="1"/>
           </p:nvPr>
         </p:nvSpPr>
-        <p:spPr/>
+        <p:spPr>
+          <a:xfrm>
+            <a:off x="457200" y="874514"/>
+            <a:ext cx="8229600" cy="3394472"/>
+          </a:xfrm>
+        </p:spPr>
         <p:txBody>
           <a:bodyPr>
             <a:noAutofit/>
@@ -6376,6 +7666,163 @@
             </a:r>
             <a:endParaRPr sz="1800" dirty="0">
               <a:latin typeface="Courier"/>
+            </a:endParaRPr>
+          </a:p>
+        </p:txBody>
+      </p:sp>
+      <p:sp>
+        <p:nvSpPr>
+          <p:cNvPr id="4" name="Title 1">
+            <a:extLst>
+              <a:ext uri="{FF2B5EF4-FFF2-40B4-BE49-F238E27FC236}">
+                <a16:creationId xmlns:a16="http://schemas.microsoft.com/office/drawing/2014/main" id="{4761FC3A-30B6-DBB3-F494-57DD6C5A4CCF}"/>
+              </a:ext>
+            </a:extLst>
+          </p:cNvPr>
+          <p:cNvSpPr txBox="1">
+            <a:spLocks/>
+          </p:cNvSpPr>
+          <p:nvPr/>
+        </p:nvSpPr>
+        <p:spPr>
+          <a:xfrm>
+            <a:off x="0" y="1"/>
+            <a:ext cx="9144000" cy="548876"/>
+          </a:xfrm>
+          <a:prstGeom prst="rect">
+            <a:avLst/>
+          </a:prstGeom>
+          <a:solidFill>
+            <a:schemeClr val="tx1"/>
+          </a:solidFill>
+        </p:spPr>
+        <p:txBody>
+          <a:bodyPr vert="horz" lIns="91440" tIns="45720" rIns="91440" bIns="45720" rtlCol="0" anchor="ctr">
+            <a:normAutofit/>
+          </a:bodyPr>
+          <a:lstStyle>
+            <a:lvl1pPr algn="ctr" defTabSz="342900" rtl="0" eaLnBrk="1" latinLnBrk="0" hangingPunct="1">
+              <a:spcBef>
+                <a:spcPct val="0"/>
+              </a:spcBef>
+              <a:buNone/>
+              <a:defRPr sz="3300" kern="1200">
+                <a:solidFill>
+                  <a:schemeClr val="tx1"/>
+                </a:solidFill>
+                <a:latin typeface="+mj-lt"/>
+                <a:ea typeface="+mj-ea"/>
+                <a:cs typeface="+mj-cs"/>
+              </a:defRPr>
+            </a:lvl1pPr>
+          </a:lstStyle>
+          <a:p>
+            <a:pPr algn="l"/>
+            <a:r>
+              <a:rPr lang="en-US" sz="2800" dirty="0">
+                <a:solidFill>
+                  <a:schemeClr val="bg1"/>
+                </a:solidFill>
+              </a:rPr>
+              <a:t>Primary DDL commands in SQL Server:</a:t>
+            </a:r>
+            <a:endParaRPr lang="en-IN" sz="2800" dirty="0">
+              <a:solidFill>
+                <a:schemeClr val="bg1"/>
+              </a:solidFill>
+            </a:endParaRPr>
+          </a:p>
+        </p:txBody>
+      </p:sp>
+      <p:pic>
+        <p:nvPicPr>
+          <p:cNvPr id="5" name="Picture 4">
+            <a:extLst>
+              <a:ext uri="{FF2B5EF4-FFF2-40B4-BE49-F238E27FC236}">
+                <a16:creationId xmlns:a16="http://schemas.microsoft.com/office/drawing/2014/main" id="{EC4385CE-DD64-0CFE-1E1F-75B8413843DE}"/>
+              </a:ext>
+            </a:extLst>
+          </p:cNvPr>
+          <p:cNvPicPr>
+            <a:picLocks noChangeAspect="1"/>
+          </p:cNvPicPr>
+          <p:nvPr/>
+        </p:nvPicPr>
+        <p:blipFill>
+          <a:blip r:embed="rId2"/>
+          <a:stretch>
+            <a:fillRect/>
+          </a:stretch>
+        </p:blipFill>
+        <p:spPr>
+          <a:xfrm>
+            <a:off x="5763675" y="51792"/>
+            <a:ext cx="3380325" cy="445294"/>
+          </a:xfrm>
+          <a:prstGeom prst="rect">
+            <a:avLst/>
+          </a:prstGeom>
+        </p:spPr>
+      </p:pic>
+      <p:sp>
+        <p:nvSpPr>
+          <p:cNvPr id="6" name="Title 1">
+            <a:extLst>
+              <a:ext uri="{FF2B5EF4-FFF2-40B4-BE49-F238E27FC236}">
+                <a16:creationId xmlns:a16="http://schemas.microsoft.com/office/drawing/2014/main" id="{3A379FC3-106E-3E4B-8D58-321B3BD13D35}"/>
+              </a:ext>
+            </a:extLst>
+          </p:cNvPr>
+          <p:cNvSpPr txBox="1">
+            <a:spLocks/>
+          </p:cNvSpPr>
+          <p:nvPr/>
+        </p:nvSpPr>
+        <p:spPr>
+          <a:xfrm>
+            <a:off x="0" y="4858718"/>
+            <a:ext cx="9144000" cy="284781"/>
+          </a:xfrm>
+          <a:prstGeom prst="rect">
+            <a:avLst/>
+          </a:prstGeom>
+          <a:solidFill>
+            <a:schemeClr val="tx1"/>
+          </a:solidFill>
+        </p:spPr>
+        <p:txBody>
+          <a:bodyPr vert="horz" lIns="91440" tIns="45720" rIns="91440" bIns="45720" rtlCol="0" anchor="ctr">
+            <a:normAutofit/>
+          </a:bodyPr>
+          <a:lstStyle>
+            <a:lvl1pPr algn="ctr" defTabSz="342900" rtl="0" eaLnBrk="1" latinLnBrk="0" hangingPunct="1">
+              <a:spcBef>
+                <a:spcPct val="0"/>
+              </a:spcBef>
+              <a:buNone/>
+              <a:defRPr sz="3300" kern="1200">
+                <a:solidFill>
+                  <a:schemeClr val="tx1"/>
+                </a:solidFill>
+                <a:latin typeface="+mj-lt"/>
+                <a:ea typeface="+mj-ea"/>
+                <a:cs typeface="+mj-cs"/>
+              </a:defRPr>
+            </a:lvl1pPr>
+          </a:lstStyle>
+          <a:p>
+            <a:r>
+              <a:rPr lang="en-IN" sz="1200" dirty="0">
+                <a:solidFill>
+                  <a:schemeClr val="bg1"/>
+                </a:solidFill>
+              </a:rPr>
+              <a:t>(©) tinitiate.com</a:t>
+            </a:r>
+            <a:endParaRPr lang="en-IN" sz="1000" dirty="0">
+              <a:solidFill>
+                <a:schemeClr val="bg1"/>
+              </a:solidFill>
             </a:endParaRPr>
           </a:p>
         </p:txBody>
@@ -6418,37 +7865,6 @@
       </p:grpSpPr>
       <p:sp>
         <p:nvSpPr>
-          <p:cNvPr id="2" name="Title 1">
-            <a:extLst>
-              <a:ext uri="{FF2B5EF4-FFF2-40B4-BE49-F238E27FC236}">
-                <a16:creationId xmlns:a16="http://schemas.microsoft.com/office/drawing/2014/main" id="{3B33D4E5-C601-E1EF-B497-F4442143C637}"/>
-              </a:ext>
-            </a:extLst>
-          </p:cNvPr>
-          <p:cNvSpPr>
-            <a:spLocks noGrp="1"/>
-          </p:cNvSpPr>
-          <p:nvPr>
-            <p:ph type="title"/>
-          </p:nvPr>
-        </p:nvSpPr>
-        <p:spPr/>
-        <p:txBody>
-          <a:bodyPr/>
-          <a:lstStyle/>
-          <a:p>
-            <a:pPr marL="0" lvl="0" indent="0">
-              <a:buNone/>
-            </a:pPr>
-            <a:r>
-              <a:rPr dirty="0"/>
-              <a:t>Primary DDL commands in SQL Server:</a:t>
-            </a:r>
-          </a:p>
-        </p:txBody>
-      </p:sp>
-      <p:sp>
-        <p:nvSpPr>
           <p:cNvPr id="3" name="Content Placeholder 2">
             <a:extLst>
               <a:ext uri="{FF2B5EF4-FFF2-40B4-BE49-F238E27FC236}">
@@ -6463,7 +7879,12 @@
             <p:ph idx="1"/>
           </p:nvPr>
         </p:nvSpPr>
-        <p:spPr/>
+        <p:spPr>
+          <a:xfrm>
+            <a:off x="457200" y="874514"/>
+            <a:ext cx="8229600" cy="3394472"/>
+          </a:xfrm>
+        </p:spPr>
         <p:txBody>
           <a:bodyPr>
             <a:noAutofit/>
@@ -6706,6 +8127,163 @@
             </a:r>
             <a:endParaRPr sz="1800" dirty="0">
               <a:latin typeface="Courier"/>
+            </a:endParaRPr>
+          </a:p>
+        </p:txBody>
+      </p:sp>
+      <p:sp>
+        <p:nvSpPr>
+          <p:cNvPr id="4" name="Title 1">
+            <a:extLst>
+              <a:ext uri="{FF2B5EF4-FFF2-40B4-BE49-F238E27FC236}">
+                <a16:creationId xmlns:a16="http://schemas.microsoft.com/office/drawing/2014/main" id="{89EED034-DF7C-9DC9-8448-D3396F6C57AD}"/>
+              </a:ext>
+            </a:extLst>
+          </p:cNvPr>
+          <p:cNvSpPr txBox="1">
+            <a:spLocks/>
+          </p:cNvSpPr>
+          <p:nvPr/>
+        </p:nvSpPr>
+        <p:spPr>
+          <a:xfrm>
+            <a:off x="0" y="1"/>
+            <a:ext cx="9144000" cy="548876"/>
+          </a:xfrm>
+          <a:prstGeom prst="rect">
+            <a:avLst/>
+          </a:prstGeom>
+          <a:solidFill>
+            <a:schemeClr val="tx1"/>
+          </a:solidFill>
+        </p:spPr>
+        <p:txBody>
+          <a:bodyPr vert="horz" lIns="91440" tIns="45720" rIns="91440" bIns="45720" rtlCol="0" anchor="ctr">
+            <a:normAutofit/>
+          </a:bodyPr>
+          <a:lstStyle>
+            <a:lvl1pPr algn="ctr" defTabSz="342900" rtl="0" eaLnBrk="1" latinLnBrk="0" hangingPunct="1">
+              <a:spcBef>
+                <a:spcPct val="0"/>
+              </a:spcBef>
+              <a:buNone/>
+              <a:defRPr sz="3300" kern="1200">
+                <a:solidFill>
+                  <a:schemeClr val="tx1"/>
+                </a:solidFill>
+                <a:latin typeface="+mj-lt"/>
+                <a:ea typeface="+mj-ea"/>
+                <a:cs typeface="+mj-cs"/>
+              </a:defRPr>
+            </a:lvl1pPr>
+          </a:lstStyle>
+          <a:p>
+            <a:pPr algn="l"/>
+            <a:r>
+              <a:rPr lang="en-US" sz="2800" dirty="0">
+                <a:solidFill>
+                  <a:schemeClr val="bg1"/>
+                </a:solidFill>
+              </a:rPr>
+              <a:t>Primary DDL commands in SQL Server:</a:t>
+            </a:r>
+            <a:endParaRPr lang="en-IN" sz="2800" dirty="0">
+              <a:solidFill>
+                <a:schemeClr val="bg1"/>
+              </a:solidFill>
+            </a:endParaRPr>
+          </a:p>
+        </p:txBody>
+      </p:sp>
+      <p:pic>
+        <p:nvPicPr>
+          <p:cNvPr id="5" name="Picture 4">
+            <a:extLst>
+              <a:ext uri="{FF2B5EF4-FFF2-40B4-BE49-F238E27FC236}">
+                <a16:creationId xmlns:a16="http://schemas.microsoft.com/office/drawing/2014/main" id="{845771D2-8DA9-34E2-D284-BBED0135C4E5}"/>
+              </a:ext>
+            </a:extLst>
+          </p:cNvPr>
+          <p:cNvPicPr>
+            <a:picLocks noChangeAspect="1"/>
+          </p:cNvPicPr>
+          <p:nvPr/>
+        </p:nvPicPr>
+        <p:blipFill>
+          <a:blip r:embed="rId2"/>
+          <a:stretch>
+            <a:fillRect/>
+          </a:stretch>
+        </p:blipFill>
+        <p:spPr>
+          <a:xfrm>
+            <a:off x="5763675" y="51792"/>
+            <a:ext cx="3380325" cy="445294"/>
+          </a:xfrm>
+          <a:prstGeom prst="rect">
+            <a:avLst/>
+          </a:prstGeom>
+        </p:spPr>
+      </p:pic>
+      <p:sp>
+        <p:nvSpPr>
+          <p:cNvPr id="6" name="Title 1">
+            <a:extLst>
+              <a:ext uri="{FF2B5EF4-FFF2-40B4-BE49-F238E27FC236}">
+                <a16:creationId xmlns:a16="http://schemas.microsoft.com/office/drawing/2014/main" id="{4FC310F9-6961-A9FF-205B-FF243BCB7BFD}"/>
+              </a:ext>
+            </a:extLst>
+          </p:cNvPr>
+          <p:cNvSpPr txBox="1">
+            <a:spLocks/>
+          </p:cNvSpPr>
+          <p:nvPr/>
+        </p:nvSpPr>
+        <p:spPr>
+          <a:xfrm>
+            <a:off x="0" y="4858718"/>
+            <a:ext cx="9144000" cy="284781"/>
+          </a:xfrm>
+          <a:prstGeom prst="rect">
+            <a:avLst/>
+          </a:prstGeom>
+          <a:solidFill>
+            <a:schemeClr val="tx1"/>
+          </a:solidFill>
+        </p:spPr>
+        <p:txBody>
+          <a:bodyPr vert="horz" lIns="91440" tIns="45720" rIns="91440" bIns="45720" rtlCol="0" anchor="ctr">
+            <a:normAutofit/>
+          </a:bodyPr>
+          <a:lstStyle>
+            <a:lvl1pPr algn="ctr" defTabSz="342900" rtl="0" eaLnBrk="1" latinLnBrk="0" hangingPunct="1">
+              <a:spcBef>
+                <a:spcPct val="0"/>
+              </a:spcBef>
+              <a:buNone/>
+              <a:defRPr sz="3300" kern="1200">
+                <a:solidFill>
+                  <a:schemeClr val="tx1"/>
+                </a:solidFill>
+                <a:latin typeface="+mj-lt"/>
+                <a:ea typeface="+mj-ea"/>
+                <a:cs typeface="+mj-cs"/>
+              </a:defRPr>
+            </a:lvl1pPr>
+          </a:lstStyle>
+          <a:p>
+            <a:r>
+              <a:rPr lang="en-IN" sz="1200" dirty="0">
+                <a:solidFill>
+                  <a:schemeClr val="bg1"/>
+                </a:solidFill>
+              </a:rPr>
+              <a:t>(©) tinitiate.com</a:t>
+            </a:r>
+            <a:endParaRPr lang="en-IN" sz="1000" dirty="0">
+              <a:solidFill>
+                <a:schemeClr val="bg1"/>
+              </a:solidFill>
             </a:endParaRPr>
           </a:p>
         </p:txBody>
@@ -6748,37 +8326,6 @@
       </p:grpSpPr>
       <p:sp>
         <p:nvSpPr>
-          <p:cNvPr id="2" name="Title 1">
-            <a:extLst>
-              <a:ext uri="{FF2B5EF4-FFF2-40B4-BE49-F238E27FC236}">
-                <a16:creationId xmlns:a16="http://schemas.microsoft.com/office/drawing/2014/main" id="{B3AD0AFB-9E15-ECBB-0862-24535D913463}"/>
-              </a:ext>
-            </a:extLst>
-          </p:cNvPr>
-          <p:cNvSpPr>
-            <a:spLocks noGrp="1"/>
-          </p:cNvSpPr>
-          <p:nvPr>
-            <p:ph type="title"/>
-          </p:nvPr>
-        </p:nvSpPr>
-        <p:spPr/>
-        <p:txBody>
-          <a:bodyPr/>
-          <a:lstStyle/>
-          <a:p>
-            <a:pPr marL="0" lvl="0" indent="0">
-              <a:buNone/>
-            </a:pPr>
-            <a:r>
-              <a:rPr dirty="0"/>
-              <a:t>Primary DDL commands in SQL Server:</a:t>
-            </a:r>
-          </a:p>
-        </p:txBody>
-      </p:sp>
-      <p:sp>
-        <p:nvSpPr>
           <p:cNvPr id="3" name="Content Placeholder 2">
             <a:extLst>
               <a:ext uri="{FF2B5EF4-FFF2-40B4-BE49-F238E27FC236}">
@@ -6793,7 +8340,12 @@
             <p:ph idx="1"/>
           </p:nvPr>
         </p:nvSpPr>
-        <p:spPr/>
+        <p:spPr>
+          <a:xfrm>
+            <a:off x="457200" y="874514"/>
+            <a:ext cx="8229600" cy="3394472"/>
+          </a:xfrm>
+        </p:spPr>
         <p:txBody>
           <a:bodyPr>
             <a:noAutofit/>
@@ -7073,6 +8625,163 @@
             </a:r>
             <a:endParaRPr sz="1800" dirty="0">
               <a:latin typeface="Courier"/>
+            </a:endParaRPr>
+          </a:p>
+        </p:txBody>
+      </p:sp>
+      <p:sp>
+        <p:nvSpPr>
+          <p:cNvPr id="4" name="Title 1">
+            <a:extLst>
+              <a:ext uri="{FF2B5EF4-FFF2-40B4-BE49-F238E27FC236}">
+                <a16:creationId xmlns:a16="http://schemas.microsoft.com/office/drawing/2014/main" id="{832F5911-5088-F274-AB7B-1EBFEAC9D5AA}"/>
+              </a:ext>
+            </a:extLst>
+          </p:cNvPr>
+          <p:cNvSpPr txBox="1">
+            <a:spLocks/>
+          </p:cNvSpPr>
+          <p:nvPr/>
+        </p:nvSpPr>
+        <p:spPr>
+          <a:xfrm>
+            <a:off x="0" y="1"/>
+            <a:ext cx="9144000" cy="548876"/>
+          </a:xfrm>
+          <a:prstGeom prst="rect">
+            <a:avLst/>
+          </a:prstGeom>
+          <a:solidFill>
+            <a:schemeClr val="tx1"/>
+          </a:solidFill>
+        </p:spPr>
+        <p:txBody>
+          <a:bodyPr vert="horz" lIns="91440" tIns="45720" rIns="91440" bIns="45720" rtlCol="0" anchor="ctr">
+            <a:normAutofit/>
+          </a:bodyPr>
+          <a:lstStyle>
+            <a:lvl1pPr algn="ctr" defTabSz="342900" rtl="0" eaLnBrk="1" latinLnBrk="0" hangingPunct="1">
+              <a:spcBef>
+                <a:spcPct val="0"/>
+              </a:spcBef>
+              <a:buNone/>
+              <a:defRPr sz="3300" kern="1200">
+                <a:solidFill>
+                  <a:schemeClr val="tx1"/>
+                </a:solidFill>
+                <a:latin typeface="+mj-lt"/>
+                <a:ea typeface="+mj-ea"/>
+                <a:cs typeface="+mj-cs"/>
+              </a:defRPr>
+            </a:lvl1pPr>
+          </a:lstStyle>
+          <a:p>
+            <a:pPr algn="l"/>
+            <a:r>
+              <a:rPr lang="en-US" sz="2800" dirty="0">
+                <a:solidFill>
+                  <a:schemeClr val="bg1"/>
+                </a:solidFill>
+              </a:rPr>
+              <a:t>Primary DDL commands in SQL Server:</a:t>
+            </a:r>
+            <a:endParaRPr lang="en-IN" sz="2800" dirty="0">
+              <a:solidFill>
+                <a:schemeClr val="bg1"/>
+              </a:solidFill>
+            </a:endParaRPr>
+          </a:p>
+        </p:txBody>
+      </p:sp>
+      <p:pic>
+        <p:nvPicPr>
+          <p:cNvPr id="5" name="Picture 4">
+            <a:extLst>
+              <a:ext uri="{FF2B5EF4-FFF2-40B4-BE49-F238E27FC236}">
+                <a16:creationId xmlns:a16="http://schemas.microsoft.com/office/drawing/2014/main" id="{691C1357-9F27-6429-700B-CDF75A7D13A9}"/>
+              </a:ext>
+            </a:extLst>
+          </p:cNvPr>
+          <p:cNvPicPr>
+            <a:picLocks noChangeAspect="1"/>
+          </p:cNvPicPr>
+          <p:nvPr/>
+        </p:nvPicPr>
+        <p:blipFill>
+          <a:blip r:embed="rId2"/>
+          <a:stretch>
+            <a:fillRect/>
+          </a:stretch>
+        </p:blipFill>
+        <p:spPr>
+          <a:xfrm>
+            <a:off x="5763675" y="51792"/>
+            <a:ext cx="3380325" cy="445294"/>
+          </a:xfrm>
+          <a:prstGeom prst="rect">
+            <a:avLst/>
+          </a:prstGeom>
+        </p:spPr>
+      </p:pic>
+      <p:sp>
+        <p:nvSpPr>
+          <p:cNvPr id="6" name="Title 1">
+            <a:extLst>
+              <a:ext uri="{FF2B5EF4-FFF2-40B4-BE49-F238E27FC236}">
+                <a16:creationId xmlns:a16="http://schemas.microsoft.com/office/drawing/2014/main" id="{977519D0-0E65-CE71-30D9-3BA387460AB3}"/>
+              </a:ext>
+            </a:extLst>
+          </p:cNvPr>
+          <p:cNvSpPr txBox="1">
+            <a:spLocks/>
+          </p:cNvSpPr>
+          <p:nvPr/>
+        </p:nvSpPr>
+        <p:spPr>
+          <a:xfrm>
+            <a:off x="0" y="4858718"/>
+            <a:ext cx="9144000" cy="284781"/>
+          </a:xfrm>
+          <a:prstGeom prst="rect">
+            <a:avLst/>
+          </a:prstGeom>
+          <a:solidFill>
+            <a:schemeClr val="tx1"/>
+          </a:solidFill>
+        </p:spPr>
+        <p:txBody>
+          <a:bodyPr vert="horz" lIns="91440" tIns="45720" rIns="91440" bIns="45720" rtlCol="0" anchor="ctr">
+            <a:normAutofit/>
+          </a:bodyPr>
+          <a:lstStyle>
+            <a:lvl1pPr algn="ctr" defTabSz="342900" rtl="0" eaLnBrk="1" latinLnBrk="0" hangingPunct="1">
+              <a:spcBef>
+                <a:spcPct val="0"/>
+              </a:spcBef>
+              <a:buNone/>
+              <a:defRPr sz="3300" kern="1200">
+                <a:solidFill>
+                  <a:schemeClr val="tx1"/>
+                </a:solidFill>
+                <a:latin typeface="+mj-lt"/>
+                <a:ea typeface="+mj-ea"/>
+                <a:cs typeface="+mj-cs"/>
+              </a:defRPr>
+            </a:lvl1pPr>
+          </a:lstStyle>
+          <a:p>
+            <a:r>
+              <a:rPr lang="en-IN" sz="1200" dirty="0">
+                <a:solidFill>
+                  <a:schemeClr val="bg1"/>
+                </a:solidFill>
+              </a:rPr>
+              <a:t>(©) tinitiate.com</a:t>
+            </a:r>
+            <a:endParaRPr lang="en-IN" sz="1000" dirty="0">
+              <a:solidFill>
+                <a:schemeClr val="bg1"/>
+              </a:solidFill>
             </a:endParaRPr>
           </a:p>
         </p:txBody>
@@ -7093,9 +8802,9 @@
 <file path=ppt/theme/theme1.xml><?xml version="1.0" encoding="utf-8"?>
 <a:theme xmlns:a="http://schemas.openxmlformats.org/drawingml/2006/main" name="Office Theme">
   <a:themeElements>
-    <a:clrScheme name="Office">
+    <a:clrScheme name="Custom 6">
       <a:dk1>
-        <a:sysClr val="windowText" lastClr="000000"/>
+        <a:srgbClr val="1F497D"/>
       </a:dk1>
       <a:lt1>
         <a:sysClr val="window" lastClr="FFFFFF"/>
